--- a/AWS_AIサービス入門.pptx
+++ b/AWS_AIサービス入門.pptx
@@ -27,6 +27,12 @@
     <p:sldId id="339" r:id="rId21"/>
     <p:sldId id="340" r:id="rId22"/>
     <p:sldId id="341" r:id="rId23"/>
+    <p:sldId id="343" r:id="rId24"/>
+    <p:sldId id="344" r:id="rId25"/>
+    <p:sldId id="345" r:id="rId26"/>
+    <p:sldId id="348" r:id="rId27"/>
+    <p:sldId id="346" r:id="rId28"/>
+    <p:sldId id="347" r:id="rId29"/>
   </p:sldIdLst>
   <p:sldSz cx="12192000" cy="6858000"/>
   <p:notesSz cx="6858000" cy="9144000"/>
@@ -136,7 +142,7 @@
 <file path=ppt/revisionInfo.xml><?xml version="1.0" encoding="utf-8"?>
 <p1510:revInfo xmlns:a="http://schemas.openxmlformats.org/drawingml/2006/main" xmlns:r="http://schemas.openxmlformats.org/officeDocument/2006/relationships" xmlns:p1510="http://schemas.microsoft.com/office/powerpoint/2015/10/main">
   <p1510:revLst>
-    <p1510:client id="{541B089F-D7AD-4810-B9E7-846BBC3DE68D}" v="42" dt="2025-04-16T14:02:16.189"/>
+    <p1510:client id="{541B089F-D7AD-4810-B9E7-846BBC3DE68D}" v="58" dt="2025-04-16T15:12:13.013"/>
   </p1510:revLst>
 </p1510:revInfo>
 </file>
@@ -481,7 +487,7 @@
   <pc:docChgLst>
     <pc:chgData name="順哉 徳重" userId="61863bed2814b00a" providerId="LiveId" clId="{541B089F-D7AD-4810-B9E7-846BBC3DE68D}"/>
     <pc:docChg chg="undo custSel addSld delSld modSld sldOrd">
-      <pc:chgData name="順哉 徳重" userId="61863bed2814b00a" providerId="LiveId" clId="{541B089F-D7AD-4810-B9E7-846BBC3DE68D}" dt="2025-04-16T14:04:03.256" v="2005"/>
+      <pc:chgData name="順哉 徳重" userId="61863bed2814b00a" providerId="LiveId" clId="{541B089F-D7AD-4810-B9E7-846BBC3DE68D}" dt="2025-04-16T15:12:33.679" v="2578" actId="1076"/>
       <pc:docMkLst>
         <pc:docMk/>
       </pc:docMkLst>
@@ -1170,33 +1176,97 @@
           <pc:sldMk cId="1303078387" sldId="337"/>
         </pc:sldMkLst>
       </pc:sldChg>
-      <pc:sldChg chg="add">
-        <pc:chgData name="順哉 徳重" userId="61863bed2814b00a" providerId="LiveId" clId="{541B089F-D7AD-4810-B9E7-846BBC3DE68D}" dt="2025-04-16T13:15:03.840" v="1711"/>
+      <pc:sldChg chg="addSp delSp modSp add mod">
+        <pc:chgData name="順哉 徳重" userId="61863bed2814b00a" providerId="LiveId" clId="{541B089F-D7AD-4810-B9E7-846BBC3DE68D}" dt="2025-04-16T14:15:19.480" v="2046" actId="1076"/>
         <pc:sldMkLst>
           <pc:docMk/>
           <pc:sldMk cId="677026894" sldId="338"/>
         </pc:sldMkLst>
+        <pc:spChg chg="add del mod">
+          <ac:chgData name="順哉 徳重" userId="61863bed2814b00a" providerId="LiveId" clId="{541B089F-D7AD-4810-B9E7-846BBC3DE68D}" dt="2025-04-16T14:15:16.551" v="2045" actId="21"/>
+          <ac:spMkLst>
+            <pc:docMk/>
+            <pc:sldMk cId="677026894" sldId="338"/>
+            <ac:spMk id="2" creationId="{E595E553-FDC8-A25E-E6EB-02F73C736E59}"/>
+          </ac:spMkLst>
+        </pc:spChg>
+        <pc:picChg chg="add mod">
+          <ac:chgData name="順哉 徳重" userId="61863bed2814b00a" providerId="LiveId" clId="{541B089F-D7AD-4810-B9E7-846BBC3DE68D}" dt="2025-04-16T14:15:19.480" v="2046" actId="1076"/>
+          <ac:picMkLst>
+            <pc:docMk/>
+            <pc:sldMk cId="677026894" sldId="338"/>
+            <ac:picMk id="4" creationId="{6D6AF49A-3E29-4F5F-8953-6D6F5E7C7966}"/>
+          </ac:picMkLst>
+        </pc:picChg>
       </pc:sldChg>
-      <pc:sldChg chg="add">
-        <pc:chgData name="順哉 徳重" userId="61863bed2814b00a" providerId="LiveId" clId="{541B089F-D7AD-4810-B9E7-846BBC3DE68D}" dt="2025-04-16T13:15:04.048" v="1712"/>
+      <pc:sldChg chg="addSp delSp modSp add mod">
+        <pc:chgData name="順哉 徳重" userId="61863bed2814b00a" providerId="LiveId" clId="{541B089F-D7AD-4810-B9E7-846BBC3DE68D}" dt="2025-04-16T14:32:17.302" v="2132" actId="20577"/>
         <pc:sldMkLst>
           <pc:docMk/>
           <pc:sldMk cId="4262869359" sldId="339"/>
         </pc:sldMkLst>
+        <pc:spChg chg="add mod">
+          <ac:chgData name="順哉 徳重" userId="61863bed2814b00a" providerId="LiveId" clId="{541B089F-D7AD-4810-B9E7-846BBC3DE68D}" dt="2025-04-16T14:15:56.384" v="2050" actId="1076"/>
+          <ac:spMkLst>
+            <pc:docMk/>
+            <pc:sldMk cId="4262869359" sldId="339"/>
+            <ac:spMk id="3" creationId="{18290CF1-72D3-54EF-4CD7-3E8A44C23E62}"/>
+          </ac:spMkLst>
+        </pc:spChg>
+        <pc:spChg chg="add del mod">
+          <ac:chgData name="順哉 徳重" userId="61863bed2814b00a" providerId="LiveId" clId="{541B089F-D7AD-4810-B9E7-846BBC3DE68D}" dt="2025-04-16T14:29:58.760" v="2063"/>
+          <ac:spMkLst>
+            <pc:docMk/>
+            <pc:sldMk cId="4262869359" sldId="339"/>
+            <ac:spMk id="4" creationId="{F6C76F8D-6D1A-D257-8CD8-B36FBE956849}"/>
+          </ac:spMkLst>
+        </pc:spChg>
+        <pc:spChg chg="add mod">
+          <ac:chgData name="順哉 徳重" userId="61863bed2814b00a" providerId="LiveId" clId="{541B089F-D7AD-4810-B9E7-846BBC3DE68D}" dt="2025-04-16T14:32:17.302" v="2132" actId="20577"/>
+          <ac:spMkLst>
+            <pc:docMk/>
+            <pc:sldMk cId="4262869359" sldId="339"/>
+            <ac:spMk id="5" creationId="{F6079C6A-7320-19D8-3667-5197159CBAFA}"/>
+          </ac:spMkLst>
+        </pc:spChg>
       </pc:sldChg>
-      <pc:sldChg chg="add">
-        <pc:chgData name="順哉 徳重" userId="61863bed2814b00a" providerId="LiveId" clId="{541B089F-D7AD-4810-B9E7-846BBC3DE68D}" dt="2025-04-16T13:15:04.207" v="1713"/>
+      <pc:sldChg chg="addSp modSp add mod">
+        <pc:chgData name="順哉 徳重" userId="61863bed2814b00a" providerId="LiveId" clId="{541B089F-D7AD-4810-B9E7-846BBC3DE68D}" dt="2025-04-16T14:23:06.392" v="2052" actId="1076"/>
         <pc:sldMkLst>
           <pc:docMk/>
           <pc:sldMk cId="967266325" sldId="340"/>
         </pc:sldMkLst>
+        <pc:picChg chg="add mod">
+          <ac:chgData name="順哉 徳重" userId="61863bed2814b00a" providerId="LiveId" clId="{541B089F-D7AD-4810-B9E7-846BBC3DE68D}" dt="2025-04-16T14:23:06.392" v="2052" actId="1076"/>
+          <ac:picMkLst>
+            <pc:docMk/>
+            <pc:sldMk cId="967266325" sldId="340"/>
+            <ac:picMk id="3" creationId="{9989ECEA-0D13-B9CF-C8FA-595200A2B6E7}"/>
+          </ac:picMkLst>
+        </pc:picChg>
       </pc:sldChg>
-      <pc:sldChg chg="add">
-        <pc:chgData name="順哉 徳重" userId="61863bed2814b00a" providerId="LiveId" clId="{541B089F-D7AD-4810-B9E7-846BBC3DE68D}" dt="2025-04-16T13:15:04.413" v="1714"/>
+      <pc:sldChg chg="addSp modSp add mod">
+        <pc:chgData name="順哉 徳重" userId="61863bed2814b00a" providerId="LiveId" clId="{541B089F-D7AD-4810-B9E7-846BBC3DE68D}" dt="2025-04-16T14:33:41.624" v="2228" actId="20577"/>
         <pc:sldMkLst>
           <pc:docMk/>
           <pc:sldMk cId="1491084763" sldId="341"/>
         </pc:sldMkLst>
+        <pc:spChg chg="add mod">
+          <ac:chgData name="順哉 徳重" userId="61863bed2814b00a" providerId="LiveId" clId="{541B089F-D7AD-4810-B9E7-846BBC3DE68D}" dt="2025-04-16T14:23:50.742" v="2060" actId="1076"/>
+          <ac:spMkLst>
+            <pc:docMk/>
+            <pc:sldMk cId="1491084763" sldId="341"/>
+            <ac:spMk id="3" creationId="{2E55B104-7C8D-3A30-4426-3A418468B172}"/>
+          </ac:spMkLst>
+        </pc:spChg>
+        <pc:spChg chg="add mod">
+          <ac:chgData name="順哉 徳重" userId="61863bed2814b00a" providerId="LiveId" clId="{541B089F-D7AD-4810-B9E7-846BBC3DE68D}" dt="2025-04-16T14:33:41.624" v="2228" actId="20577"/>
+          <ac:spMkLst>
+            <pc:docMk/>
+            <pc:sldMk cId="1491084763" sldId="341"/>
+            <ac:spMk id="4" creationId="{FB788170-E38D-922B-C2E6-0D274F07C685}"/>
+          </ac:spMkLst>
+        </pc:spChg>
       </pc:sldChg>
       <pc:sldChg chg="addSp modSp add mod">
         <pc:chgData name="順哉 徳重" userId="61863bed2814b00a" providerId="LiveId" clId="{541B089F-D7AD-4810-B9E7-846BBC3DE68D}" dt="2025-04-16T14:03:45.058" v="2003" actId="255"/>
@@ -1218,6 +1288,144 @@
             <pc:docMk/>
             <pc:sldMk cId="940613826" sldId="342"/>
             <ac:spMk id="3" creationId="{793EC61E-375E-8A0F-1D9D-F404B587A1F3}"/>
+          </ac:spMkLst>
+        </pc:spChg>
+      </pc:sldChg>
+      <pc:sldChg chg="addSp modSp add mod">
+        <pc:chgData name="順哉 徳重" userId="61863bed2814b00a" providerId="LiveId" clId="{541B089F-D7AD-4810-B9E7-846BBC3DE68D}" dt="2025-04-16T14:59:46.489" v="2231" actId="1076"/>
+        <pc:sldMkLst>
+          <pc:docMk/>
+          <pc:sldMk cId="1966515964" sldId="343"/>
+        </pc:sldMkLst>
+        <pc:picChg chg="add mod">
+          <ac:chgData name="順哉 徳重" userId="61863bed2814b00a" providerId="LiveId" clId="{541B089F-D7AD-4810-B9E7-846BBC3DE68D}" dt="2025-04-16T14:59:46.489" v="2231" actId="1076"/>
+          <ac:picMkLst>
+            <pc:docMk/>
+            <pc:sldMk cId="1966515964" sldId="343"/>
+            <ac:picMk id="3" creationId="{37D7614C-76BF-2F43-A86E-B2FCAFD77A9A}"/>
+          </ac:picMkLst>
+        </pc:picChg>
+      </pc:sldChg>
+      <pc:sldChg chg="addSp delSp modSp add mod">
+        <pc:chgData name="順哉 徳重" userId="61863bed2814b00a" providerId="LiveId" clId="{541B089F-D7AD-4810-B9E7-846BBC3DE68D}" dt="2025-04-16T15:12:33.679" v="2578" actId="1076"/>
+        <pc:sldMkLst>
+          <pc:docMk/>
+          <pc:sldMk cId="346868544" sldId="344"/>
+        </pc:sldMkLst>
+        <pc:spChg chg="add mod">
+          <ac:chgData name="順哉 徳重" userId="61863bed2814b00a" providerId="LiveId" clId="{541B089F-D7AD-4810-B9E7-846BBC3DE68D}" dt="2025-04-16T15:00:46.374" v="2235" actId="1076"/>
+          <ac:spMkLst>
+            <pc:docMk/>
+            <pc:sldMk cId="346868544" sldId="344"/>
+            <ac:spMk id="3" creationId="{60892FB6-818C-1A11-0317-66AC50E1D5E3}"/>
+          </ac:spMkLst>
+        </pc:spChg>
+        <pc:spChg chg="add del mod">
+          <ac:chgData name="順哉 徳重" userId="61863bed2814b00a" providerId="LiveId" clId="{541B089F-D7AD-4810-B9E7-846BBC3DE68D}" dt="2025-04-16T15:12:29.770" v="2577" actId="21"/>
+          <ac:spMkLst>
+            <pc:docMk/>
+            <pc:sldMk cId="346868544" sldId="344"/>
+            <ac:spMk id="5" creationId="{764DBCEA-0995-BA2D-D3A3-9842C2966D1D}"/>
+          </ac:spMkLst>
+        </pc:spChg>
+        <pc:spChg chg="add mod">
+          <ac:chgData name="順哉 徳重" userId="61863bed2814b00a" providerId="LiveId" clId="{541B089F-D7AD-4810-B9E7-846BBC3DE68D}" dt="2025-04-16T15:12:04.562" v="2571" actId="1076"/>
+          <ac:spMkLst>
+            <pc:docMk/>
+            <pc:sldMk cId="346868544" sldId="344"/>
+            <ac:spMk id="6" creationId="{FCC1DBD8-8AA5-EC9C-AE2D-7E0B3FE149A3}"/>
+          </ac:spMkLst>
+        </pc:spChg>
+        <pc:spChg chg="add mod">
+          <ac:chgData name="順哉 徳重" userId="61863bed2814b00a" providerId="LiveId" clId="{541B089F-D7AD-4810-B9E7-846BBC3DE68D}" dt="2025-04-16T15:12:33.679" v="2578" actId="1076"/>
+          <ac:spMkLst>
+            <pc:docMk/>
+            <pc:sldMk cId="346868544" sldId="344"/>
+            <ac:spMk id="7" creationId="{5DE9A10F-417B-1D4A-FF7D-C92EAF0D8177}"/>
+          </ac:spMkLst>
+        </pc:spChg>
+      </pc:sldChg>
+      <pc:sldChg chg="addSp modSp add mod">
+        <pc:chgData name="順哉 徳重" userId="61863bed2814b00a" providerId="LiveId" clId="{541B089F-D7AD-4810-B9E7-846BBC3DE68D}" dt="2025-04-16T15:04:07.122" v="2386" actId="1076"/>
+        <pc:sldMkLst>
+          <pc:docMk/>
+          <pc:sldMk cId="1559013881" sldId="345"/>
+        </pc:sldMkLst>
+        <pc:picChg chg="add mod">
+          <ac:chgData name="順哉 徳重" userId="61863bed2814b00a" providerId="LiveId" clId="{541B089F-D7AD-4810-B9E7-846BBC3DE68D}" dt="2025-04-16T15:04:07.122" v="2386" actId="1076"/>
+          <ac:picMkLst>
+            <pc:docMk/>
+            <pc:sldMk cId="1559013881" sldId="345"/>
+            <ac:picMk id="3" creationId="{8AFA2A5D-5954-D0BA-EBD8-80D60A0E443B}"/>
+          </ac:picMkLst>
+        </pc:picChg>
+      </pc:sldChg>
+      <pc:sldChg chg="addSp modSp add mod">
+        <pc:chgData name="順哉 徳重" userId="61863bed2814b00a" providerId="LiveId" clId="{541B089F-D7AD-4810-B9E7-846BBC3DE68D}" dt="2025-04-16T15:09:22.589" v="2485" actId="1076"/>
+        <pc:sldMkLst>
+          <pc:docMk/>
+          <pc:sldMk cId="3165707774" sldId="346"/>
+        </pc:sldMkLst>
+        <pc:picChg chg="add mod">
+          <ac:chgData name="順哉 徳重" userId="61863bed2814b00a" providerId="LiveId" clId="{541B089F-D7AD-4810-B9E7-846BBC3DE68D}" dt="2025-04-16T15:09:22.589" v="2485" actId="1076"/>
+          <ac:picMkLst>
+            <pc:docMk/>
+            <pc:sldMk cId="3165707774" sldId="346"/>
+            <ac:picMk id="3" creationId="{2476D57D-1529-6631-FD53-4977E389B7B2}"/>
+          </ac:picMkLst>
+        </pc:picChg>
+      </pc:sldChg>
+      <pc:sldChg chg="addSp modSp add mod">
+        <pc:chgData name="順哉 徳重" userId="61863bed2814b00a" providerId="LiveId" clId="{541B089F-D7AD-4810-B9E7-846BBC3DE68D}" dt="2025-04-16T15:11:49.565" v="2568" actId="20577"/>
+        <pc:sldMkLst>
+          <pc:docMk/>
+          <pc:sldMk cId="1081399285" sldId="347"/>
+        </pc:sldMkLst>
+        <pc:spChg chg="add mod">
+          <ac:chgData name="順哉 徳重" userId="61863bed2814b00a" providerId="LiveId" clId="{541B089F-D7AD-4810-B9E7-846BBC3DE68D}" dt="2025-04-16T15:11:49.565" v="2568" actId="20577"/>
+          <ac:spMkLst>
+            <pc:docMk/>
+            <pc:sldMk cId="1081399285" sldId="347"/>
+            <ac:spMk id="3" creationId="{031D3709-FB97-5F30-DA0B-C37F75D02B73}"/>
+          </ac:spMkLst>
+        </pc:spChg>
+        <pc:spChg chg="add mod">
+          <ac:chgData name="順哉 徳重" userId="61863bed2814b00a" providerId="LiveId" clId="{541B089F-D7AD-4810-B9E7-846BBC3DE68D}" dt="2025-04-16T15:10:58.061" v="2542" actId="20577"/>
+          <ac:spMkLst>
+            <pc:docMk/>
+            <pc:sldMk cId="1081399285" sldId="347"/>
+            <ac:spMk id="4" creationId="{C3CB5AF5-9C4F-93C0-C68E-FB64F52BFEF9}"/>
+          </ac:spMkLst>
+        </pc:spChg>
+      </pc:sldChg>
+      <pc:sldChg chg="addSp delSp modSp add mod">
+        <pc:chgData name="順哉 徳重" userId="61863bed2814b00a" providerId="LiveId" clId="{541B089F-D7AD-4810-B9E7-846BBC3DE68D}" dt="2025-04-16T15:11:44.201" v="2566" actId="20577"/>
+        <pc:sldMkLst>
+          <pc:docMk/>
+          <pc:sldMk cId="2691303104" sldId="348"/>
+        </pc:sldMkLst>
+        <pc:spChg chg="add mod">
+          <ac:chgData name="順哉 徳重" userId="61863bed2814b00a" providerId="LiveId" clId="{541B089F-D7AD-4810-B9E7-846BBC3DE68D}" dt="2025-04-16T15:11:44.201" v="2566" actId="20577"/>
+          <ac:spMkLst>
+            <pc:docMk/>
+            <pc:sldMk cId="2691303104" sldId="348"/>
+            <ac:spMk id="3" creationId="{4BAEE549-C030-BE13-D7B4-6ED2BA64C3CD}"/>
+          </ac:spMkLst>
+        </pc:spChg>
+        <pc:spChg chg="add del mod">
+          <ac:chgData name="順哉 徳重" userId="61863bed2814b00a" providerId="LiveId" clId="{541B089F-D7AD-4810-B9E7-846BBC3DE68D}" dt="2025-04-16T15:11:32.853" v="2562" actId="21"/>
+          <ac:spMkLst>
+            <pc:docMk/>
+            <pc:sldMk cId="2691303104" sldId="348"/>
+            <ac:spMk id="4" creationId="{FCC1DBD8-8AA5-EC9C-AE2D-7E0B3FE149A3}"/>
+          </ac:spMkLst>
+        </pc:spChg>
+        <pc:spChg chg="add mod">
+          <ac:chgData name="順哉 徳重" userId="61863bed2814b00a" providerId="LiveId" clId="{541B089F-D7AD-4810-B9E7-846BBC3DE68D}" dt="2025-04-16T15:11:39.573" v="2564" actId="20577"/>
+          <ac:spMkLst>
+            <pc:docMk/>
+            <pc:sldMk cId="2691303104" sldId="348"/>
+            <ac:spMk id="5" creationId="{F06B9BBA-C4C3-3225-6706-80A51F282651}"/>
           </ac:spMkLst>
         </pc:spChg>
       </pc:sldChg>
@@ -1683,7 +1891,7 @@
           <a:p>
             <a:fld id="{51441FCE-A6A5-4F66-880A-8CCA2CAF91D5}" type="datetimeFigureOut">
               <a:rPr kumimoji="1" lang="ja-JP" altLang="en-US" smtClean="0"/>
-              <a:t>2025/4/15</a:t>
+              <a:t>2025/4/16</a:t>
             </a:fld>
             <a:endParaRPr kumimoji="1" lang="ja-JP" altLang="en-US"/>
           </a:p>
@@ -1913,7 +2121,7 @@
           <a:p>
             <a:fld id="{51441FCE-A6A5-4F66-880A-8CCA2CAF91D5}" type="datetimeFigureOut">
               <a:rPr kumimoji="1" lang="ja-JP" altLang="en-US" smtClean="0"/>
-              <a:t>2025/4/15</a:t>
+              <a:t>2025/4/16</a:t>
             </a:fld>
             <a:endParaRPr kumimoji="1" lang="ja-JP" altLang="en-US"/>
           </a:p>
@@ -2153,7 +2361,7 @@
           <a:p>
             <a:fld id="{51441FCE-A6A5-4F66-880A-8CCA2CAF91D5}" type="datetimeFigureOut">
               <a:rPr kumimoji="1" lang="ja-JP" altLang="en-US" smtClean="0"/>
-              <a:t>2025/4/15</a:t>
+              <a:t>2025/4/16</a:t>
             </a:fld>
             <a:endParaRPr kumimoji="1" lang="ja-JP" altLang="en-US"/>
           </a:p>
@@ -2383,7 +2591,7 @@
           <a:p>
             <a:fld id="{51441FCE-A6A5-4F66-880A-8CCA2CAF91D5}" type="datetimeFigureOut">
               <a:rPr kumimoji="1" lang="ja-JP" altLang="en-US" smtClean="0"/>
-              <a:t>2025/4/15</a:t>
+              <a:t>2025/4/16</a:t>
             </a:fld>
             <a:endParaRPr kumimoji="1" lang="ja-JP" altLang="en-US"/>
           </a:p>
@@ -2658,7 +2866,7 @@
           <a:p>
             <a:fld id="{51441FCE-A6A5-4F66-880A-8CCA2CAF91D5}" type="datetimeFigureOut">
               <a:rPr kumimoji="1" lang="ja-JP" altLang="en-US" smtClean="0"/>
-              <a:t>2025/4/15</a:t>
+              <a:t>2025/4/16</a:t>
             </a:fld>
             <a:endParaRPr kumimoji="1" lang="ja-JP" altLang="en-US"/>
           </a:p>
@@ -2987,7 +3195,7 @@
           <a:p>
             <a:fld id="{51441FCE-A6A5-4F66-880A-8CCA2CAF91D5}" type="datetimeFigureOut">
               <a:rPr kumimoji="1" lang="ja-JP" altLang="en-US" smtClean="0"/>
-              <a:t>2025/4/15</a:t>
+              <a:t>2025/4/16</a:t>
             </a:fld>
             <a:endParaRPr kumimoji="1" lang="ja-JP" altLang="en-US"/>
           </a:p>
@@ -3463,7 +3671,7 @@
           <a:p>
             <a:fld id="{51441FCE-A6A5-4F66-880A-8CCA2CAF91D5}" type="datetimeFigureOut">
               <a:rPr kumimoji="1" lang="ja-JP" altLang="en-US" smtClean="0"/>
-              <a:t>2025/4/15</a:t>
+              <a:t>2025/4/16</a:t>
             </a:fld>
             <a:endParaRPr kumimoji="1" lang="ja-JP" altLang="en-US"/>
           </a:p>
@@ -3604,7 +3812,7 @@
           <a:p>
             <a:fld id="{51441FCE-A6A5-4F66-880A-8CCA2CAF91D5}" type="datetimeFigureOut">
               <a:rPr kumimoji="1" lang="ja-JP" altLang="en-US" smtClean="0"/>
-              <a:t>2025/4/15</a:t>
+              <a:t>2025/4/16</a:t>
             </a:fld>
             <a:endParaRPr kumimoji="1" lang="ja-JP" altLang="en-US"/>
           </a:p>
@@ -3717,7 +3925,7 @@
           <a:p>
             <a:fld id="{51441FCE-A6A5-4F66-880A-8CCA2CAF91D5}" type="datetimeFigureOut">
               <a:rPr kumimoji="1" lang="ja-JP" altLang="en-US" smtClean="0"/>
-              <a:t>2025/4/15</a:t>
+              <a:t>2025/4/16</a:t>
             </a:fld>
             <a:endParaRPr kumimoji="1" lang="ja-JP" altLang="en-US"/>
           </a:p>
@@ -4060,7 +4268,7 @@
           <a:p>
             <a:fld id="{51441FCE-A6A5-4F66-880A-8CCA2CAF91D5}" type="datetimeFigureOut">
               <a:rPr kumimoji="1" lang="ja-JP" altLang="en-US" smtClean="0"/>
-              <a:t>2025/4/15</a:t>
+              <a:t>2025/4/16</a:t>
             </a:fld>
             <a:endParaRPr kumimoji="1" lang="ja-JP" altLang="en-US"/>
           </a:p>
@@ -4348,7 +4556,7 @@
           <a:p>
             <a:fld id="{51441FCE-A6A5-4F66-880A-8CCA2CAF91D5}" type="datetimeFigureOut">
               <a:rPr kumimoji="1" lang="ja-JP" altLang="en-US" smtClean="0"/>
-              <a:t>2025/4/15</a:t>
+              <a:t>2025/4/16</a:t>
             </a:fld>
             <a:endParaRPr kumimoji="1" lang="ja-JP" altLang="en-US"/>
           </a:p>
@@ -4621,7 +4829,7 @@
           <a:p>
             <a:fld id="{51441FCE-A6A5-4F66-880A-8CCA2CAF91D5}" type="datetimeFigureOut">
               <a:rPr kumimoji="1" lang="ja-JP" altLang="en-US" smtClean="0"/>
-              <a:t>2025/4/15</a:t>
+              <a:t>2025/4/16</a:t>
             </a:fld>
             <a:endParaRPr kumimoji="1" lang="ja-JP" altLang="en-US"/>
           </a:p>
@@ -9401,6 +9609,36 @@
           <a:chExt cx="0" cy="0"/>
         </a:xfrm>
       </p:grpSpPr>
+      <p:pic>
+        <p:nvPicPr>
+          <p:cNvPr id="4" name="図 3">
+            <a:extLst>
+              <a:ext uri="{FF2B5EF4-FFF2-40B4-BE49-F238E27FC236}">
+                <a16:creationId xmlns:a16="http://schemas.microsoft.com/office/drawing/2014/main" id="{6D6AF49A-3E29-4F5F-8953-6D6F5E7C7966}"/>
+              </a:ext>
+            </a:extLst>
+          </p:cNvPr>
+          <p:cNvPicPr>
+            <a:picLocks noChangeAspect="1"/>
+          </p:cNvPicPr>
+          <p:nvPr/>
+        </p:nvPicPr>
+        <p:blipFill>
+          <a:blip r:embed="rId2"/>
+          <a:stretch>
+            <a:fillRect/>
+          </a:stretch>
+        </p:blipFill>
+        <p:spPr>
+          <a:xfrm>
+            <a:off x="600367" y="540529"/>
+            <a:ext cx="10202699" cy="5525271"/>
+          </a:xfrm>
+          <a:prstGeom prst="rect">
+            <a:avLst/>
+          </a:prstGeom>
+        </p:spPr>
+      </p:pic>
     </p:spTree>
     <p:extLst>
       <p:ext uri="{BB962C8B-B14F-4D97-AF65-F5344CB8AC3E}">
@@ -9830,6 +10068,357 @@
           <a:chExt cx="0" cy="0"/>
         </a:xfrm>
       </p:grpSpPr>
+      <p:sp>
+        <p:nvSpPr>
+          <p:cNvPr id="3" name="テキスト ボックス 2">
+            <a:extLst>
+              <a:ext uri="{FF2B5EF4-FFF2-40B4-BE49-F238E27FC236}">
+                <a16:creationId xmlns:a16="http://schemas.microsoft.com/office/drawing/2014/main" id="{18290CF1-72D3-54EF-4CD7-3E8A44C23E62}"/>
+              </a:ext>
+            </a:extLst>
+          </p:cNvPr>
+          <p:cNvSpPr txBox="1"/>
+          <p:nvPr/>
+        </p:nvSpPr>
+        <p:spPr>
+          <a:xfrm>
+            <a:off x="404768" y="682249"/>
+            <a:ext cx="7858387" cy="1184042"/>
+          </a:xfrm>
+          <a:prstGeom prst="rect">
+            <a:avLst/>
+          </a:prstGeom>
+          <a:noFill/>
+        </p:spPr>
+        <p:txBody>
+          <a:bodyPr wrap="square">
+            <a:spAutoFit/>
+          </a:bodyPr>
+          <a:lstStyle/>
+          <a:p>
+            <a:pPr>
+              <a:lnSpc>
+                <a:spcPts val="1425"/>
+              </a:lnSpc>
+              <a:buNone/>
+            </a:pPr>
+            <a:r>
+              <a:rPr lang="en-US" altLang="ja-JP" b="0" dirty="0">
+                <a:solidFill>
+                  <a:srgbClr val="0000FF"/>
+                </a:solidFill>
+                <a:effectLst/>
+                <a:latin typeface="Consolas" panose="020B0609020204030204" pitchFamily="49" charset="0"/>
+              </a:rPr>
+              <a:t>import</a:t>
+            </a:r>
+            <a:r>
+              <a:rPr lang="en-US" altLang="ja-JP" b="0" dirty="0">
+                <a:solidFill>
+                  <a:srgbClr val="000000"/>
+                </a:solidFill>
+                <a:effectLst/>
+                <a:latin typeface="Consolas" panose="020B0609020204030204" pitchFamily="49" charset="0"/>
+              </a:rPr>
+              <a:t> boto3</a:t>
+            </a:r>
+          </a:p>
+          <a:p>
+            <a:pPr>
+              <a:lnSpc>
+                <a:spcPts val="1425"/>
+              </a:lnSpc>
+              <a:buNone/>
+            </a:pPr>
+            <a:r>
+              <a:rPr lang="en-US" altLang="ja-JP" b="0" dirty="0">
+                <a:solidFill>
+                  <a:srgbClr val="0000FF"/>
+                </a:solidFill>
+                <a:effectLst/>
+                <a:latin typeface="Consolas" panose="020B0609020204030204" pitchFamily="49" charset="0"/>
+              </a:rPr>
+              <a:t>import</a:t>
+            </a:r>
+            <a:r>
+              <a:rPr lang="en-US" altLang="ja-JP" b="0" dirty="0">
+                <a:solidFill>
+                  <a:srgbClr val="000000"/>
+                </a:solidFill>
+                <a:effectLst/>
+                <a:latin typeface="Consolas" panose="020B0609020204030204" pitchFamily="49" charset="0"/>
+              </a:rPr>
+              <a:t> </a:t>
+            </a:r>
+            <a:r>
+              <a:rPr lang="en-US" altLang="ja-JP" b="0" dirty="0" err="1">
+                <a:solidFill>
+                  <a:srgbClr val="000000"/>
+                </a:solidFill>
+                <a:effectLst/>
+                <a:latin typeface="Consolas" panose="020B0609020204030204" pitchFamily="49" charset="0"/>
+              </a:rPr>
+              <a:t>json</a:t>
+            </a:r>
+            <a:endParaRPr lang="en-US" altLang="ja-JP" b="0" dirty="0">
+              <a:solidFill>
+                <a:srgbClr val="000000"/>
+              </a:solidFill>
+              <a:effectLst/>
+              <a:latin typeface="Consolas" panose="020B0609020204030204" pitchFamily="49" charset="0"/>
+            </a:endParaRPr>
+          </a:p>
+          <a:p>
+            <a:pPr>
+              <a:lnSpc>
+                <a:spcPts val="1425"/>
+              </a:lnSpc>
+              <a:buNone/>
+            </a:pPr>
+            <a:r>
+              <a:rPr lang="en-US" altLang="ja-JP" b="0" dirty="0">
+                <a:solidFill>
+                  <a:srgbClr val="000000"/>
+                </a:solidFill>
+                <a:effectLst/>
+                <a:latin typeface="Consolas" panose="020B0609020204030204" pitchFamily="49" charset="0"/>
+              </a:rPr>
+              <a:t>comprehend = boto3.client(</a:t>
+            </a:r>
+            <a:r>
+              <a:rPr lang="en-US" altLang="ja-JP" b="0" dirty="0">
+                <a:solidFill>
+                  <a:srgbClr val="A31515"/>
+                </a:solidFill>
+                <a:effectLst/>
+                <a:latin typeface="Consolas" panose="020B0609020204030204" pitchFamily="49" charset="0"/>
+              </a:rPr>
+              <a:t>'comprehend'</a:t>
+            </a:r>
+            <a:r>
+              <a:rPr lang="en-US" altLang="ja-JP" b="0" dirty="0">
+                <a:solidFill>
+                  <a:srgbClr val="000000"/>
+                </a:solidFill>
+                <a:effectLst/>
+                <a:latin typeface="Consolas" panose="020B0609020204030204" pitchFamily="49" charset="0"/>
+              </a:rPr>
+              <a:t>, </a:t>
+            </a:r>
+            <a:r>
+              <a:rPr lang="en-US" altLang="ja-JP" b="0" dirty="0">
+                <a:solidFill>
+                  <a:srgbClr val="A31515"/>
+                </a:solidFill>
+                <a:effectLst/>
+                <a:latin typeface="Consolas" panose="020B0609020204030204" pitchFamily="49" charset="0"/>
+              </a:rPr>
+              <a:t>'us-east-2'</a:t>
+            </a:r>
+            <a:r>
+              <a:rPr lang="en-US" altLang="ja-JP" b="0" dirty="0">
+                <a:solidFill>
+                  <a:srgbClr val="000000"/>
+                </a:solidFill>
+                <a:effectLst/>
+                <a:latin typeface="Consolas" panose="020B0609020204030204" pitchFamily="49" charset="0"/>
+              </a:rPr>
+              <a:t>)</a:t>
+            </a:r>
+          </a:p>
+          <a:p>
+            <a:pPr>
+              <a:lnSpc>
+                <a:spcPts val="1425"/>
+              </a:lnSpc>
+              <a:buNone/>
+            </a:pPr>
+            <a:r>
+              <a:rPr lang="en-US" altLang="ja-JP" b="0" dirty="0">
+                <a:solidFill>
+                  <a:srgbClr val="000000"/>
+                </a:solidFill>
+                <a:effectLst/>
+                <a:latin typeface="Consolas" panose="020B0609020204030204" pitchFamily="49" charset="0"/>
+              </a:rPr>
+              <a:t>text = </a:t>
+            </a:r>
+            <a:r>
+              <a:rPr lang="en-US" altLang="ja-JP" b="0" dirty="0">
+                <a:solidFill>
+                  <a:srgbClr val="A31515"/>
+                </a:solidFill>
+                <a:effectLst/>
+                <a:latin typeface="Consolas" panose="020B0609020204030204" pitchFamily="49" charset="0"/>
+              </a:rPr>
+              <a:t>"I'm looking forward to visiting Japan next summer."</a:t>
+            </a:r>
+            <a:endParaRPr lang="en-US" altLang="ja-JP" b="0" dirty="0">
+              <a:solidFill>
+                <a:srgbClr val="000000"/>
+              </a:solidFill>
+              <a:effectLst/>
+              <a:latin typeface="Consolas" panose="020B0609020204030204" pitchFamily="49" charset="0"/>
+            </a:endParaRPr>
+          </a:p>
+          <a:p>
+            <a:pPr>
+              <a:lnSpc>
+                <a:spcPts val="1425"/>
+              </a:lnSpc>
+              <a:buNone/>
+            </a:pPr>
+            <a:r>
+              <a:rPr lang="en-US" altLang="ja-JP" b="0" dirty="0">
+                <a:solidFill>
+                  <a:srgbClr val="000000"/>
+                </a:solidFill>
+                <a:effectLst/>
+                <a:latin typeface="Consolas" panose="020B0609020204030204" pitchFamily="49" charset="0"/>
+              </a:rPr>
+              <a:t>result = </a:t>
+            </a:r>
+            <a:r>
+              <a:rPr lang="en-US" altLang="ja-JP" b="0" dirty="0" err="1">
+                <a:solidFill>
+                  <a:srgbClr val="000000"/>
+                </a:solidFill>
+                <a:effectLst/>
+                <a:latin typeface="Consolas" panose="020B0609020204030204" pitchFamily="49" charset="0"/>
+              </a:rPr>
+              <a:t>comprehend.detect_dominant_language</a:t>
+            </a:r>
+            <a:r>
+              <a:rPr lang="en-US" altLang="ja-JP" b="0" dirty="0">
+                <a:solidFill>
+                  <a:srgbClr val="000000"/>
+                </a:solidFill>
+                <a:effectLst/>
+                <a:latin typeface="Consolas" panose="020B0609020204030204" pitchFamily="49" charset="0"/>
+              </a:rPr>
+              <a:t>(Text=text)</a:t>
+            </a:r>
+          </a:p>
+          <a:p>
+            <a:pPr>
+              <a:lnSpc>
+                <a:spcPts val="1425"/>
+              </a:lnSpc>
+            </a:pPr>
+            <a:r>
+              <a:rPr lang="en-US" altLang="ja-JP" b="0" dirty="0">
+                <a:solidFill>
+                  <a:srgbClr val="000000"/>
+                </a:solidFill>
+                <a:effectLst/>
+                <a:latin typeface="Consolas" panose="020B0609020204030204" pitchFamily="49" charset="0"/>
+              </a:rPr>
+              <a:t>print(</a:t>
+            </a:r>
+            <a:r>
+              <a:rPr lang="en-US" altLang="ja-JP" b="0" dirty="0" err="1">
+                <a:solidFill>
+                  <a:srgbClr val="000000"/>
+                </a:solidFill>
+                <a:effectLst/>
+                <a:latin typeface="Consolas" panose="020B0609020204030204" pitchFamily="49" charset="0"/>
+              </a:rPr>
+              <a:t>json.dumps</a:t>
+            </a:r>
+            <a:r>
+              <a:rPr lang="en-US" altLang="ja-JP" b="0" dirty="0">
+                <a:solidFill>
+                  <a:srgbClr val="000000"/>
+                </a:solidFill>
+                <a:effectLst/>
+                <a:latin typeface="Consolas" panose="020B0609020204030204" pitchFamily="49" charset="0"/>
+              </a:rPr>
+              <a:t>(result, indent=</a:t>
+            </a:r>
+            <a:r>
+              <a:rPr lang="en-US" altLang="ja-JP" b="0" dirty="0">
+                <a:solidFill>
+                  <a:srgbClr val="098658"/>
+                </a:solidFill>
+                <a:effectLst/>
+                <a:latin typeface="Consolas" panose="020B0609020204030204" pitchFamily="49" charset="0"/>
+              </a:rPr>
+              <a:t>4</a:t>
+            </a:r>
+            <a:r>
+              <a:rPr lang="en-US" altLang="ja-JP" b="0" dirty="0">
+                <a:solidFill>
+                  <a:srgbClr val="000000"/>
+                </a:solidFill>
+                <a:effectLst/>
+                <a:latin typeface="Consolas" panose="020B0609020204030204" pitchFamily="49" charset="0"/>
+              </a:rPr>
+              <a:t>))</a:t>
+            </a:r>
+          </a:p>
+        </p:txBody>
+      </p:sp>
+      <p:sp>
+        <p:nvSpPr>
+          <p:cNvPr id="5" name="テキスト ボックス 4">
+            <a:extLst>
+              <a:ext uri="{FF2B5EF4-FFF2-40B4-BE49-F238E27FC236}">
+                <a16:creationId xmlns:a16="http://schemas.microsoft.com/office/drawing/2014/main" id="{F6079C6A-7320-19D8-3667-5197159CBAFA}"/>
+              </a:ext>
+            </a:extLst>
+          </p:cNvPr>
+          <p:cNvSpPr txBox="1"/>
+          <p:nvPr/>
+        </p:nvSpPr>
+        <p:spPr>
+          <a:xfrm>
+            <a:off x="404767" y="2421617"/>
+            <a:ext cx="4376957" cy="923330"/>
+          </a:xfrm>
+          <a:prstGeom prst="rect">
+            <a:avLst/>
+          </a:prstGeom>
+          <a:noFill/>
+        </p:spPr>
+        <p:txBody>
+          <a:bodyPr wrap="square" rtlCol="0">
+            <a:spAutoFit/>
+          </a:bodyPr>
+          <a:lstStyle/>
+          <a:p>
+            <a:r>
+              <a:rPr kumimoji="1" lang="en-US" altLang="ja-JP" dirty="0" err="1"/>
+              <a:t>detect_dominant_language</a:t>
+            </a:r>
+            <a:r>
+              <a:rPr kumimoji="1" lang="ja-JP" altLang="en-US" dirty="0"/>
+              <a:t>メソッド</a:t>
+            </a:r>
+            <a:br>
+              <a:rPr kumimoji="1" lang="en-US" altLang="ja-JP" dirty="0"/>
+            </a:br>
+            <a:r>
+              <a:rPr lang="ja-JP" altLang="en-US" dirty="0"/>
+              <a:t>文字列の言語を検出する</a:t>
+            </a:r>
+            <a:br>
+              <a:rPr kumimoji="1" lang="en-US" altLang="ja-JP" dirty="0"/>
+            </a:br>
+            <a:r>
+              <a:rPr kumimoji="1" lang="ja-JP" altLang="en-US" dirty="0"/>
+              <a:t>戻り値　検出した</a:t>
+            </a:r>
+            <a:r>
+              <a:rPr lang="ja-JP" altLang="en-US" dirty="0"/>
+              <a:t>言語</a:t>
+            </a:r>
+            <a:r>
+              <a:rPr kumimoji="1" lang="ja-JP" altLang="en-US" dirty="0"/>
+              <a:t>の情報</a:t>
+            </a:r>
+          </a:p>
+        </p:txBody>
+      </p:sp>
     </p:spTree>
     <p:extLst>
       <p:ext uri="{BB962C8B-B14F-4D97-AF65-F5344CB8AC3E}">
@@ -9866,6 +10455,36 @@
           <a:chExt cx="0" cy="0"/>
         </a:xfrm>
       </p:grpSpPr>
+      <p:pic>
+        <p:nvPicPr>
+          <p:cNvPr id="3" name="図 2">
+            <a:extLst>
+              <a:ext uri="{FF2B5EF4-FFF2-40B4-BE49-F238E27FC236}">
+                <a16:creationId xmlns:a16="http://schemas.microsoft.com/office/drawing/2014/main" id="{9989ECEA-0D13-B9CF-C8FA-595200A2B6E7}"/>
+              </a:ext>
+            </a:extLst>
+          </p:cNvPr>
+          <p:cNvPicPr>
+            <a:picLocks noChangeAspect="1"/>
+          </p:cNvPicPr>
+          <p:nvPr/>
+        </p:nvPicPr>
+        <p:blipFill>
+          <a:blip r:embed="rId2"/>
+          <a:stretch>
+            <a:fillRect/>
+          </a:stretch>
+        </p:blipFill>
+        <p:spPr>
+          <a:xfrm>
+            <a:off x="797796" y="566338"/>
+            <a:ext cx="10478962" cy="5725324"/>
+          </a:xfrm>
+          <a:prstGeom prst="rect">
+            <a:avLst/>
+          </a:prstGeom>
+        </p:spPr>
+      </p:pic>
     </p:spTree>
     <p:extLst>
       <p:ext uri="{BB962C8B-B14F-4D97-AF65-F5344CB8AC3E}">
@@ -9902,10 +10521,2078 @@
           <a:chExt cx="0" cy="0"/>
         </a:xfrm>
       </p:grpSpPr>
+      <p:sp>
+        <p:nvSpPr>
+          <p:cNvPr id="3" name="テキスト ボックス 2">
+            <a:extLst>
+              <a:ext uri="{FF2B5EF4-FFF2-40B4-BE49-F238E27FC236}">
+                <a16:creationId xmlns:a16="http://schemas.microsoft.com/office/drawing/2014/main" id="{2E55B104-7C8D-3A30-4426-3A418468B172}"/>
+              </a:ext>
+            </a:extLst>
+          </p:cNvPr>
+          <p:cNvSpPr txBox="1"/>
+          <p:nvPr/>
+        </p:nvSpPr>
+        <p:spPr>
+          <a:xfrm>
+            <a:off x="421546" y="581581"/>
+            <a:ext cx="8839899" cy="1184042"/>
+          </a:xfrm>
+          <a:prstGeom prst="rect">
+            <a:avLst/>
+          </a:prstGeom>
+          <a:noFill/>
+        </p:spPr>
+        <p:txBody>
+          <a:bodyPr wrap="square">
+            <a:spAutoFit/>
+          </a:bodyPr>
+          <a:lstStyle/>
+          <a:p>
+            <a:pPr>
+              <a:lnSpc>
+                <a:spcPts val="1425"/>
+              </a:lnSpc>
+              <a:buNone/>
+            </a:pPr>
+            <a:r>
+              <a:rPr lang="en-US" altLang="ja-JP" b="0" dirty="0">
+                <a:solidFill>
+                  <a:srgbClr val="0000FF"/>
+                </a:solidFill>
+                <a:effectLst/>
+                <a:latin typeface="Consolas" panose="020B0609020204030204" pitchFamily="49" charset="0"/>
+              </a:rPr>
+              <a:t>import</a:t>
+            </a:r>
+            <a:r>
+              <a:rPr lang="en-US" altLang="ja-JP" b="0" dirty="0">
+                <a:solidFill>
+                  <a:srgbClr val="000000"/>
+                </a:solidFill>
+                <a:effectLst/>
+                <a:latin typeface="Consolas" panose="020B0609020204030204" pitchFamily="49" charset="0"/>
+              </a:rPr>
+              <a:t> boto3</a:t>
+            </a:r>
+          </a:p>
+          <a:p>
+            <a:pPr>
+              <a:lnSpc>
+                <a:spcPts val="1425"/>
+              </a:lnSpc>
+              <a:buNone/>
+            </a:pPr>
+            <a:r>
+              <a:rPr lang="en-US" altLang="ja-JP" b="0" dirty="0">
+                <a:solidFill>
+                  <a:srgbClr val="0000FF"/>
+                </a:solidFill>
+                <a:effectLst/>
+                <a:latin typeface="Consolas" panose="020B0609020204030204" pitchFamily="49" charset="0"/>
+              </a:rPr>
+              <a:t>import</a:t>
+            </a:r>
+            <a:r>
+              <a:rPr lang="en-US" altLang="ja-JP" b="0" dirty="0">
+                <a:solidFill>
+                  <a:srgbClr val="000000"/>
+                </a:solidFill>
+                <a:effectLst/>
+                <a:latin typeface="Consolas" panose="020B0609020204030204" pitchFamily="49" charset="0"/>
+              </a:rPr>
+              <a:t> </a:t>
+            </a:r>
+            <a:r>
+              <a:rPr lang="en-US" altLang="ja-JP" b="0" dirty="0" err="1">
+                <a:solidFill>
+                  <a:srgbClr val="000000"/>
+                </a:solidFill>
+                <a:effectLst/>
+                <a:latin typeface="Consolas" panose="020B0609020204030204" pitchFamily="49" charset="0"/>
+              </a:rPr>
+              <a:t>json</a:t>
+            </a:r>
+            <a:endParaRPr lang="en-US" altLang="ja-JP" b="0" dirty="0">
+              <a:solidFill>
+                <a:srgbClr val="000000"/>
+              </a:solidFill>
+              <a:effectLst/>
+              <a:latin typeface="Consolas" panose="020B0609020204030204" pitchFamily="49" charset="0"/>
+            </a:endParaRPr>
+          </a:p>
+          <a:p>
+            <a:pPr>
+              <a:lnSpc>
+                <a:spcPts val="1425"/>
+              </a:lnSpc>
+              <a:buNone/>
+            </a:pPr>
+            <a:r>
+              <a:rPr lang="en-US" altLang="ja-JP" b="0" dirty="0">
+                <a:solidFill>
+                  <a:srgbClr val="000000"/>
+                </a:solidFill>
+                <a:effectLst/>
+                <a:latin typeface="Consolas" panose="020B0609020204030204" pitchFamily="49" charset="0"/>
+              </a:rPr>
+              <a:t>comprehend = boto3.client(</a:t>
+            </a:r>
+            <a:r>
+              <a:rPr lang="en-US" altLang="ja-JP" b="0" dirty="0">
+                <a:solidFill>
+                  <a:srgbClr val="A31515"/>
+                </a:solidFill>
+                <a:effectLst/>
+                <a:latin typeface="Consolas" panose="020B0609020204030204" pitchFamily="49" charset="0"/>
+              </a:rPr>
+              <a:t>'comprehend'</a:t>
+            </a:r>
+            <a:r>
+              <a:rPr lang="en-US" altLang="ja-JP" b="0" dirty="0">
+                <a:solidFill>
+                  <a:srgbClr val="000000"/>
+                </a:solidFill>
+                <a:effectLst/>
+                <a:latin typeface="Consolas" panose="020B0609020204030204" pitchFamily="49" charset="0"/>
+              </a:rPr>
+              <a:t>, </a:t>
+            </a:r>
+            <a:r>
+              <a:rPr lang="en-US" altLang="ja-JP" b="0" dirty="0">
+                <a:solidFill>
+                  <a:srgbClr val="A31515"/>
+                </a:solidFill>
+                <a:effectLst/>
+                <a:latin typeface="Consolas" panose="020B0609020204030204" pitchFamily="49" charset="0"/>
+              </a:rPr>
+              <a:t>'us-east-2'</a:t>
+            </a:r>
+            <a:r>
+              <a:rPr lang="en-US" altLang="ja-JP" b="0" dirty="0">
+                <a:solidFill>
+                  <a:srgbClr val="000000"/>
+                </a:solidFill>
+                <a:effectLst/>
+                <a:latin typeface="Consolas" panose="020B0609020204030204" pitchFamily="49" charset="0"/>
+              </a:rPr>
+              <a:t>)</a:t>
+            </a:r>
+          </a:p>
+          <a:p>
+            <a:pPr>
+              <a:lnSpc>
+                <a:spcPts val="1425"/>
+              </a:lnSpc>
+              <a:buNone/>
+            </a:pPr>
+            <a:r>
+              <a:rPr lang="en-US" altLang="ja-JP" b="0" dirty="0">
+                <a:solidFill>
+                  <a:srgbClr val="000000"/>
+                </a:solidFill>
+                <a:effectLst/>
+                <a:latin typeface="Consolas" panose="020B0609020204030204" pitchFamily="49" charset="0"/>
+              </a:rPr>
+              <a:t>text = </a:t>
+            </a:r>
+            <a:r>
+              <a:rPr lang="en-US" altLang="ja-JP" b="0" dirty="0">
+                <a:solidFill>
+                  <a:srgbClr val="A31515"/>
+                </a:solidFill>
+                <a:effectLst/>
+                <a:latin typeface="Consolas" panose="020B0609020204030204" pitchFamily="49" charset="0"/>
+              </a:rPr>
+              <a:t>"I'm looking forward to visiting Japan next summer."</a:t>
+            </a:r>
+            <a:endParaRPr lang="en-US" altLang="ja-JP" b="0" dirty="0">
+              <a:solidFill>
+                <a:srgbClr val="000000"/>
+              </a:solidFill>
+              <a:effectLst/>
+              <a:latin typeface="Consolas" panose="020B0609020204030204" pitchFamily="49" charset="0"/>
+            </a:endParaRPr>
+          </a:p>
+          <a:p>
+            <a:pPr>
+              <a:lnSpc>
+                <a:spcPts val="1425"/>
+              </a:lnSpc>
+              <a:buNone/>
+            </a:pPr>
+            <a:r>
+              <a:rPr lang="en-US" altLang="ja-JP" b="0" dirty="0">
+                <a:solidFill>
+                  <a:srgbClr val="000000"/>
+                </a:solidFill>
+                <a:effectLst/>
+                <a:latin typeface="Consolas" panose="020B0609020204030204" pitchFamily="49" charset="0"/>
+              </a:rPr>
+              <a:t>result = </a:t>
+            </a:r>
+            <a:r>
+              <a:rPr lang="en-US" altLang="ja-JP" b="0" dirty="0" err="1">
+                <a:solidFill>
+                  <a:srgbClr val="000000"/>
+                </a:solidFill>
+                <a:effectLst/>
+                <a:latin typeface="Consolas" panose="020B0609020204030204" pitchFamily="49" charset="0"/>
+              </a:rPr>
+              <a:t>comprehend.detect_sentiment</a:t>
+            </a:r>
+            <a:r>
+              <a:rPr lang="en-US" altLang="ja-JP" b="0" dirty="0">
+                <a:solidFill>
+                  <a:srgbClr val="000000"/>
+                </a:solidFill>
+                <a:effectLst/>
+                <a:latin typeface="Consolas" panose="020B0609020204030204" pitchFamily="49" charset="0"/>
+              </a:rPr>
+              <a:t>(Text=text, </a:t>
+            </a:r>
+            <a:r>
+              <a:rPr lang="en-US" altLang="ja-JP" b="0" dirty="0" err="1">
+                <a:solidFill>
+                  <a:srgbClr val="000000"/>
+                </a:solidFill>
+                <a:effectLst/>
+                <a:latin typeface="Consolas" panose="020B0609020204030204" pitchFamily="49" charset="0"/>
+              </a:rPr>
+              <a:t>LanguageCode</a:t>
+            </a:r>
+            <a:r>
+              <a:rPr lang="en-US" altLang="ja-JP" b="0" dirty="0">
+                <a:solidFill>
+                  <a:srgbClr val="000000"/>
+                </a:solidFill>
+                <a:effectLst/>
+                <a:latin typeface="Consolas" panose="020B0609020204030204" pitchFamily="49" charset="0"/>
+              </a:rPr>
+              <a:t>=</a:t>
+            </a:r>
+            <a:r>
+              <a:rPr lang="en-US" altLang="ja-JP" b="0" dirty="0">
+                <a:solidFill>
+                  <a:srgbClr val="A31515"/>
+                </a:solidFill>
+                <a:effectLst/>
+                <a:latin typeface="Consolas" panose="020B0609020204030204" pitchFamily="49" charset="0"/>
+              </a:rPr>
+              <a:t>'</a:t>
+            </a:r>
+            <a:r>
+              <a:rPr lang="en-US" altLang="ja-JP" b="0" dirty="0" err="1">
+                <a:solidFill>
+                  <a:srgbClr val="A31515"/>
+                </a:solidFill>
+                <a:effectLst/>
+                <a:latin typeface="Consolas" panose="020B0609020204030204" pitchFamily="49" charset="0"/>
+              </a:rPr>
+              <a:t>en</a:t>
+            </a:r>
+            <a:r>
+              <a:rPr lang="en-US" altLang="ja-JP" b="0" dirty="0">
+                <a:solidFill>
+                  <a:srgbClr val="A31515"/>
+                </a:solidFill>
+                <a:effectLst/>
+                <a:latin typeface="Consolas" panose="020B0609020204030204" pitchFamily="49" charset="0"/>
+              </a:rPr>
+              <a:t>'</a:t>
+            </a:r>
+            <a:r>
+              <a:rPr lang="en-US" altLang="ja-JP" b="0" dirty="0">
+                <a:solidFill>
+                  <a:srgbClr val="000000"/>
+                </a:solidFill>
+                <a:effectLst/>
+                <a:latin typeface="Consolas" panose="020B0609020204030204" pitchFamily="49" charset="0"/>
+              </a:rPr>
+              <a:t>)</a:t>
+            </a:r>
+          </a:p>
+          <a:p>
+            <a:pPr>
+              <a:lnSpc>
+                <a:spcPts val="1425"/>
+              </a:lnSpc>
+            </a:pPr>
+            <a:r>
+              <a:rPr lang="en-US" altLang="ja-JP" b="0" dirty="0">
+                <a:solidFill>
+                  <a:srgbClr val="000000"/>
+                </a:solidFill>
+                <a:effectLst/>
+                <a:latin typeface="Consolas" panose="020B0609020204030204" pitchFamily="49" charset="0"/>
+              </a:rPr>
+              <a:t>print(</a:t>
+            </a:r>
+            <a:r>
+              <a:rPr lang="en-US" altLang="ja-JP" b="0" dirty="0" err="1">
+                <a:solidFill>
+                  <a:srgbClr val="000000"/>
+                </a:solidFill>
+                <a:effectLst/>
+                <a:latin typeface="Consolas" panose="020B0609020204030204" pitchFamily="49" charset="0"/>
+              </a:rPr>
+              <a:t>json.dumps</a:t>
+            </a:r>
+            <a:r>
+              <a:rPr lang="en-US" altLang="ja-JP" b="0" dirty="0">
+                <a:solidFill>
+                  <a:srgbClr val="000000"/>
+                </a:solidFill>
+                <a:effectLst/>
+                <a:latin typeface="Consolas" panose="020B0609020204030204" pitchFamily="49" charset="0"/>
+              </a:rPr>
+              <a:t>(result, indent=</a:t>
+            </a:r>
+            <a:r>
+              <a:rPr lang="en-US" altLang="ja-JP" b="0" dirty="0">
+                <a:solidFill>
+                  <a:srgbClr val="098658"/>
+                </a:solidFill>
+                <a:effectLst/>
+                <a:latin typeface="Consolas" panose="020B0609020204030204" pitchFamily="49" charset="0"/>
+              </a:rPr>
+              <a:t>4</a:t>
+            </a:r>
+            <a:r>
+              <a:rPr lang="en-US" altLang="ja-JP" b="0" dirty="0">
+                <a:solidFill>
+                  <a:srgbClr val="000000"/>
+                </a:solidFill>
+                <a:effectLst/>
+                <a:latin typeface="Consolas" panose="020B0609020204030204" pitchFamily="49" charset="0"/>
+              </a:rPr>
+              <a:t>))</a:t>
+            </a:r>
+          </a:p>
+        </p:txBody>
+      </p:sp>
+      <p:sp>
+        <p:nvSpPr>
+          <p:cNvPr id="4" name="テキスト ボックス 3">
+            <a:extLst>
+              <a:ext uri="{FF2B5EF4-FFF2-40B4-BE49-F238E27FC236}">
+                <a16:creationId xmlns:a16="http://schemas.microsoft.com/office/drawing/2014/main" id="{FB788170-E38D-922B-C2E6-0D274F07C685}"/>
+              </a:ext>
+            </a:extLst>
+          </p:cNvPr>
+          <p:cNvSpPr txBox="1"/>
+          <p:nvPr/>
+        </p:nvSpPr>
+        <p:spPr>
+          <a:xfrm>
+            <a:off x="404767" y="2421617"/>
+            <a:ext cx="4376957" cy="923330"/>
+          </a:xfrm>
+          <a:prstGeom prst="rect">
+            <a:avLst/>
+          </a:prstGeom>
+          <a:noFill/>
+        </p:spPr>
+        <p:txBody>
+          <a:bodyPr wrap="square" rtlCol="0">
+            <a:spAutoFit/>
+          </a:bodyPr>
+          <a:lstStyle/>
+          <a:p>
+            <a:r>
+              <a:rPr kumimoji="1" lang="en-US" altLang="ja-JP" dirty="0" err="1"/>
+              <a:t>detect_sentiment</a:t>
+            </a:r>
+            <a:r>
+              <a:rPr kumimoji="1" lang="ja-JP" altLang="en-US" dirty="0"/>
+              <a:t>メソッド</a:t>
+            </a:r>
+            <a:br>
+              <a:rPr kumimoji="1" lang="en-US" altLang="ja-JP" dirty="0"/>
+            </a:br>
+            <a:r>
+              <a:rPr lang="ja-JP" altLang="en-US" dirty="0"/>
+              <a:t>文字列の感情を分析する</a:t>
+            </a:r>
+            <a:br>
+              <a:rPr kumimoji="1" lang="en-US" altLang="ja-JP" dirty="0"/>
+            </a:br>
+            <a:r>
+              <a:rPr kumimoji="1" lang="ja-JP" altLang="en-US" dirty="0"/>
+              <a:t>戻り値　</a:t>
+            </a:r>
+            <a:r>
+              <a:rPr lang="ja-JP" altLang="en-US" dirty="0"/>
+              <a:t>分析した感情</a:t>
+            </a:r>
+            <a:r>
+              <a:rPr kumimoji="1" lang="ja-JP" altLang="en-US" dirty="0"/>
+              <a:t>の情報</a:t>
+            </a:r>
+          </a:p>
+        </p:txBody>
+      </p:sp>
     </p:spTree>
     <p:extLst>
       <p:ext uri="{BB962C8B-B14F-4D97-AF65-F5344CB8AC3E}">
         <p14:creationId xmlns:p14="http://schemas.microsoft.com/office/powerpoint/2010/main" val="1491084763"/>
+      </p:ext>
+    </p:extLst>
+  </p:cSld>
+  <p:clrMapOvr>
+    <a:masterClrMapping/>
+  </p:clrMapOvr>
+</p:sld>
+</file>
+
+<file path=ppt/slides/slide23.xml><?xml version="1.0" encoding="utf-8"?>
+<p:sld xmlns:a="http://schemas.openxmlformats.org/drawingml/2006/main" xmlns:r="http://schemas.openxmlformats.org/officeDocument/2006/relationships" xmlns:p="http://schemas.openxmlformats.org/presentationml/2006/main">
+  <p:cSld>
+    <p:spTree>
+      <p:nvGrpSpPr>
+        <p:cNvPr id="1" name="">
+          <a:extLst>
+            <a:ext uri="{FF2B5EF4-FFF2-40B4-BE49-F238E27FC236}">
+              <a16:creationId xmlns:a16="http://schemas.microsoft.com/office/drawing/2014/main" id="{587B9544-9B80-8327-DF5D-116C5BE33D36}"/>
+            </a:ext>
+          </a:extLst>
+        </p:cNvPr>
+        <p:cNvGrpSpPr/>
+        <p:nvPr/>
+      </p:nvGrpSpPr>
+      <p:grpSpPr>
+        <a:xfrm>
+          <a:off x="0" y="0"/>
+          <a:ext cx="0" cy="0"/>
+          <a:chOff x="0" y="0"/>
+          <a:chExt cx="0" cy="0"/>
+        </a:xfrm>
+      </p:grpSpPr>
+      <p:pic>
+        <p:nvPicPr>
+          <p:cNvPr id="3" name="図 2">
+            <a:extLst>
+              <a:ext uri="{FF2B5EF4-FFF2-40B4-BE49-F238E27FC236}">
+                <a16:creationId xmlns:a16="http://schemas.microsoft.com/office/drawing/2014/main" id="{37D7614C-76BF-2F43-A86E-B2FCAFD77A9A}"/>
+              </a:ext>
+            </a:extLst>
+          </p:cNvPr>
+          <p:cNvPicPr>
+            <a:picLocks noChangeAspect="1"/>
+          </p:cNvPicPr>
+          <p:nvPr/>
+        </p:nvPicPr>
+        <p:blipFill>
+          <a:blip r:embed="rId2"/>
+          <a:stretch>
+            <a:fillRect/>
+          </a:stretch>
+        </p:blipFill>
+        <p:spPr>
+          <a:xfrm>
+            <a:off x="746620" y="172926"/>
+            <a:ext cx="7152577" cy="6512147"/>
+          </a:xfrm>
+          <a:prstGeom prst="rect">
+            <a:avLst/>
+          </a:prstGeom>
+        </p:spPr>
+      </p:pic>
+    </p:spTree>
+    <p:extLst>
+      <p:ext uri="{BB962C8B-B14F-4D97-AF65-F5344CB8AC3E}">
+        <p14:creationId xmlns:p14="http://schemas.microsoft.com/office/powerpoint/2010/main" val="1966515964"/>
+      </p:ext>
+    </p:extLst>
+  </p:cSld>
+  <p:clrMapOvr>
+    <a:masterClrMapping/>
+  </p:clrMapOvr>
+</p:sld>
+</file>
+
+<file path=ppt/slides/slide24.xml><?xml version="1.0" encoding="utf-8"?>
+<p:sld xmlns:a="http://schemas.openxmlformats.org/drawingml/2006/main" xmlns:r="http://schemas.openxmlformats.org/officeDocument/2006/relationships" xmlns:p="http://schemas.openxmlformats.org/presentationml/2006/main">
+  <p:cSld>
+    <p:spTree>
+      <p:nvGrpSpPr>
+        <p:cNvPr id="1" name="">
+          <a:extLst>
+            <a:ext uri="{FF2B5EF4-FFF2-40B4-BE49-F238E27FC236}">
+              <a16:creationId xmlns:a16="http://schemas.microsoft.com/office/drawing/2014/main" id="{F46009DC-19F7-6144-D433-A0F78535B359}"/>
+            </a:ext>
+          </a:extLst>
+        </p:cNvPr>
+        <p:cNvGrpSpPr/>
+        <p:nvPr/>
+      </p:nvGrpSpPr>
+      <p:grpSpPr>
+        <a:xfrm>
+          <a:off x="0" y="0"/>
+          <a:ext cx="0" cy="0"/>
+          <a:chOff x="0" y="0"/>
+          <a:chExt cx="0" cy="0"/>
+        </a:xfrm>
+      </p:grpSpPr>
+      <p:sp>
+        <p:nvSpPr>
+          <p:cNvPr id="3" name="テキスト ボックス 2">
+            <a:extLst>
+              <a:ext uri="{FF2B5EF4-FFF2-40B4-BE49-F238E27FC236}">
+                <a16:creationId xmlns:a16="http://schemas.microsoft.com/office/drawing/2014/main" id="{60892FB6-818C-1A11-0317-66AC50E1D5E3}"/>
+              </a:ext>
+            </a:extLst>
+          </p:cNvPr>
+          <p:cNvSpPr txBox="1"/>
+          <p:nvPr/>
+        </p:nvSpPr>
+        <p:spPr>
+          <a:xfrm>
+            <a:off x="387989" y="620158"/>
+            <a:ext cx="7623495" cy="1543115"/>
+          </a:xfrm>
+          <a:prstGeom prst="rect">
+            <a:avLst/>
+          </a:prstGeom>
+          <a:noFill/>
+        </p:spPr>
+        <p:txBody>
+          <a:bodyPr wrap="square">
+            <a:spAutoFit/>
+          </a:bodyPr>
+          <a:lstStyle/>
+          <a:p>
+            <a:pPr>
+              <a:lnSpc>
+                <a:spcPts val="1425"/>
+              </a:lnSpc>
+              <a:buNone/>
+            </a:pPr>
+            <a:r>
+              <a:rPr lang="en-US" altLang="ja-JP" b="0" dirty="0">
+                <a:solidFill>
+                  <a:srgbClr val="0000FF"/>
+                </a:solidFill>
+                <a:effectLst/>
+                <a:latin typeface="Consolas" panose="020B0609020204030204" pitchFamily="49" charset="0"/>
+              </a:rPr>
+              <a:t>import</a:t>
+            </a:r>
+            <a:r>
+              <a:rPr lang="en-US" altLang="ja-JP" b="0" dirty="0">
+                <a:solidFill>
+                  <a:srgbClr val="000000"/>
+                </a:solidFill>
+                <a:effectLst/>
+                <a:latin typeface="Consolas" panose="020B0609020204030204" pitchFamily="49" charset="0"/>
+              </a:rPr>
+              <a:t> boto3</a:t>
+            </a:r>
+          </a:p>
+          <a:p>
+            <a:pPr>
+              <a:lnSpc>
+                <a:spcPts val="1425"/>
+              </a:lnSpc>
+              <a:buNone/>
+            </a:pPr>
+            <a:r>
+              <a:rPr lang="en-US" altLang="ja-JP" b="0" dirty="0">
+                <a:solidFill>
+                  <a:srgbClr val="0000FF"/>
+                </a:solidFill>
+                <a:effectLst/>
+                <a:latin typeface="Consolas" panose="020B0609020204030204" pitchFamily="49" charset="0"/>
+              </a:rPr>
+              <a:t>import</a:t>
+            </a:r>
+            <a:r>
+              <a:rPr lang="en-US" altLang="ja-JP" b="0" dirty="0">
+                <a:solidFill>
+                  <a:srgbClr val="000000"/>
+                </a:solidFill>
+                <a:effectLst/>
+                <a:latin typeface="Consolas" panose="020B0609020204030204" pitchFamily="49" charset="0"/>
+              </a:rPr>
+              <a:t> </a:t>
+            </a:r>
+            <a:r>
+              <a:rPr lang="en-US" altLang="ja-JP" b="0" dirty="0" err="1">
+                <a:solidFill>
+                  <a:srgbClr val="000000"/>
+                </a:solidFill>
+                <a:effectLst/>
+                <a:latin typeface="Consolas" panose="020B0609020204030204" pitchFamily="49" charset="0"/>
+              </a:rPr>
+              <a:t>json</a:t>
+            </a:r>
+            <a:endParaRPr lang="en-US" altLang="ja-JP" b="0" dirty="0">
+              <a:solidFill>
+                <a:srgbClr val="000000"/>
+              </a:solidFill>
+              <a:effectLst/>
+              <a:latin typeface="Consolas" panose="020B0609020204030204" pitchFamily="49" charset="0"/>
+            </a:endParaRPr>
+          </a:p>
+          <a:p>
+            <a:pPr>
+              <a:lnSpc>
+                <a:spcPts val="1425"/>
+              </a:lnSpc>
+              <a:buNone/>
+            </a:pPr>
+            <a:r>
+              <a:rPr lang="en-US" altLang="ja-JP" b="0" dirty="0">
+                <a:solidFill>
+                  <a:srgbClr val="000000"/>
+                </a:solidFill>
+                <a:effectLst/>
+                <a:latin typeface="Consolas" panose="020B0609020204030204" pitchFamily="49" charset="0"/>
+              </a:rPr>
+              <a:t>comprehend = boto3.client(</a:t>
+            </a:r>
+            <a:r>
+              <a:rPr lang="en-US" altLang="ja-JP" b="0" dirty="0">
+                <a:solidFill>
+                  <a:srgbClr val="A31515"/>
+                </a:solidFill>
+                <a:effectLst/>
+                <a:latin typeface="Consolas" panose="020B0609020204030204" pitchFamily="49" charset="0"/>
+              </a:rPr>
+              <a:t>'comprehend'</a:t>
+            </a:r>
+            <a:r>
+              <a:rPr lang="en-US" altLang="ja-JP" b="0" dirty="0">
+                <a:solidFill>
+                  <a:srgbClr val="000000"/>
+                </a:solidFill>
+                <a:effectLst/>
+                <a:latin typeface="Consolas" panose="020B0609020204030204" pitchFamily="49" charset="0"/>
+              </a:rPr>
+              <a:t>, </a:t>
+            </a:r>
+            <a:r>
+              <a:rPr lang="en-US" altLang="ja-JP" b="0" dirty="0">
+                <a:solidFill>
+                  <a:srgbClr val="A31515"/>
+                </a:solidFill>
+                <a:effectLst/>
+                <a:latin typeface="Consolas" panose="020B0609020204030204" pitchFamily="49" charset="0"/>
+              </a:rPr>
+              <a:t>'us-east-2'</a:t>
+            </a:r>
+            <a:r>
+              <a:rPr lang="en-US" altLang="ja-JP" b="0" dirty="0">
+                <a:solidFill>
+                  <a:srgbClr val="000000"/>
+                </a:solidFill>
+                <a:effectLst/>
+                <a:latin typeface="Consolas" panose="020B0609020204030204" pitchFamily="49" charset="0"/>
+              </a:rPr>
+              <a:t>)</a:t>
+            </a:r>
+          </a:p>
+          <a:p>
+            <a:pPr>
+              <a:lnSpc>
+                <a:spcPts val="1425"/>
+              </a:lnSpc>
+              <a:buNone/>
+            </a:pPr>
+            <a:r>
+              <a:rPr lang="en-US" altLang="ja-JP" b="0" dirty="0">
+                <a:solidFill>
+                  <a:srgbClr val="000000"/>
+                </a:solidFill>
+                <a:effectLst/>
+                <a:latin typeface="Consolas" panose="020B0609020204030204" pitchFamily="49" charset="0"/>
+              </a:rPr>
+              <a:t>text = </a:t>
+            </a:r>
+            <a:r>
+              <a:rPr lang="en-US" altLang="ja-JP" b="0" dirty="0">
+                <a:solidFill>
+                  <a:srgbClr val="A31515"/>
+                </a:solidFill>
+                <a:effectLst/>
+                <a:latin typeface="Consolas" panose="020B0609020204030204" pitchFamily="49" charset="0"/>
+              </a:rPr>
+              <a:t>"I tried to use the 20% OFF coupon, </a:t>
+            </a:r>
+            <a:r>
+              <a:rPr lang="en-US" altLang="ja-JP" b="0" dirty="0">
+                <a:solidFill>
+                  <a:srgbClr val="0000FF"/>
+                </a:solidFill>
+                <a:effectLst/>
+                <a:latin typeface="Consolas" panose="020B0609020204030204" pitchFamily="49" charset="0"/>
+              </a:rPr>
+              <a:t>\</a:t>
+            </a:r>
+            <a:endParaRPr lang="en-US" altLang="ja-JP" b="0" dirty="0">
+              <a:solidFill>
+                <a:srgbClr val="000000"/>
+              </a:solidFill>
+              <a:effectLst/>
+              <a:latin typeface="Consolas" panose="020B0609020204030204" pitchFamily="49" charset="0"/>
+            </a:endParaRPr>
+          </a:p>
+          <a:p>
+            <a:pPr>
+              <a:lnSpc>
+                <a:spcPts val="1425"/>
+              </a:lnSpc>
+              <a:buNone/>
+            </a:pPr>
+            <a:r>
+              <a:rPr lang="en-US" altLang="ja-JP" b="0" dirty="0">
+                <a:solidFill>
+                  <a:srgbClr val="A31515"/>
+                </a:solidFill>
+                <a:effectLst/>
+                <a:latin typeface="Consolas" panose="020B0609020204030204" pitchFamily="49" charset="0"/>
+              </a:rPr>
+              <a:t>but only 10% discount and I was unable to place an order."</a:t>
+            </a:r>
+            <a:endParaRPr lang="en-US" altLang="ja-JP" b="0" dirty="0">
+              <a:solidFill>
+                <a:srgbClr val="000000"/>
+              </a:solidFill>
+              <a:effectLst/>
+              <a:latin typeface="Consolas" panose="020B0609020204030204" pitchFamily="49" charset="0"/>
+            </a:endParaRPr>
+          </a:p>
+          <a:p>
+            <a:pPr>
+              <a:lnSpc>
+                <a:spcPts val="1425"/>
+              </a:lnSpc>
+              <a:buNone/>
+            </a:pPr>
+            <a:r>
+              <a:rPr lang="en-US" altLang="ja-JP" b="0" dirty="0">
+                <a:solidFill>
+                  <a:srgbClr val="000000"/>
+                </a:solidFill>
+                <a:effectLst/>
+                <a:latin typeface="Consolas" panose="020B0609020204030204" pitchFamily="49" charset="0"/>
+              </a:rPr>
+              <a:t>result = </a:t>
+            </a:r>
+            <a:r>
+              <a:rPr lang="en-US" altLang="ja-JP" b="0" dirty="0" err="1">
+                <a:solidFill>
+                  <a:srgbClr val="000000"/>
+                </a:solidFill>
+                <a:effectLst/>
+                <a:latin typeface="Consolas" panose="020B0609020204030204" pitchFamily="49" charset="0"/>
+              </a:rPr>
+              <a:t>comprehend.detect_key_phrases</a:t>
+            </a:r>
+            <a:r>
+              <a:rPr lang="en-US" altLang="ja-JP" b="0" dirty="0">
+                <a:solidFill>
+                  <a:srgbClr val="000000"/>
+                </a:solidFill>
+                <a:effectLst/>
+                <a:latin typeface="Consolas" panose="020B0609020204030204" pitchFamily="49" charset="0"/>
+              </a:rPr>
+              <a:t>(Text=text, </a:t>
+            </a:r>
+            <a:r>
+              <a:rPr lang="en-US" altLang="ja-JP" b="0" dirty="0" err="1">
+                <a:solidFill>
+                  <a:srgbClr val="000000"/>
+                </a:solidFill>
+                <a:effectLst/>
+                <a:latin typeface="Consolas" panose="020B0609020204030204" pitchFamily="49" charset="0"/>
+              </a:rPr>
+              <a:t>LanguageCode</a:t>
+            </a:r>
+            <a:r>
+              <a:rPr lang="en-US" altLang="ja-JP" b="0" dirty="0">
+                <a:solidFill>
+                  <a:srgbClr val="000000"/>
+                </a:solidFill>
+                <a:effectLst/>
+                <a:latin typeface="Consolas" panose="020B0609020204030204" pitchFamily="49" charset="0"/>
+              </a:rPr>
+              <a:t>=</a:t>
+            </a:r>
+            <a:r>
+              <a:rPr lang="en-US" altLang="ja-JP" b="0" dirty="0">
+                <a:solidFill>
+                  <a:srgbClr val="A31515"/>
+                </a:solidFill>
+                <a:effectLst/>
+                <a:latin typeface="Consolas" panose="020B0609020204030204" pitchFamily="49" charset="0"/>
+              </a:rPr>
+              <a:t>'</a:t>
+            </a:r>
+            <a:r>
+              <a:rPr lang="en-US" altLang="ja-JP" b="0" dirty="0" err="1">
+                <a:solidFill>
+                  <a:srgbClr val="A31515"/>
+                </a:solidFill>
+                <a:effectLst/>
+                <a:latin typeface="Consolas" panose="020B0609020204030204" pitchFamily="49" charset="0"/>
+              </a:rPr>
+              <a:t>en</a:t>
+            </a:r>
+            <a:r>
+              <a:rPr lang="en-US" altLang="ja-JP" b="0" dirty="0">
+                <a:solidFill>
+                  <a:srgbClr val="A31515"/>
+                </a:solidFill>
+                <a:effectLst/>
+                <a:latin typeface="Consolas" panose="020B0609020204030204" pitchFamily="49" charset="0"/>
+              </a:rPr>
+              <a:t>'</a:t>
+            </a:r>
+            <a:r>
+              <a:rPr lang="en-US" altLang="ja-JP" b="0" dirty="0">
+                <a:solidFill>
+                  <a:srgbClr val="000000"/>
+                </a:solidFill>
+                <a:effectLst/>
+                <a:latin typeface="Consolas" panose="020B0609020204030204" pitchFamily="49" charset="0"/>
+              </a:rPr>
+              <a:t>)</a:t>
+            </a:r>
+          </a:p>
+          <a:p>
+            <a:pPr>
+              <a:lnSpc>
+                <a:spcPts val="1425"/>
+              </a:lnSpc>
+            </a:pPr>
+            <a:r>
+              <a:rPr lang="en-US" altLang="ja-JP" b="0" dirty="0">
+                <a:solidFill>
+                  <a:srgbClr val="000000"/>
+                </a:solidFill>
+                <a:effectLst/>
+                <a:latin typeface="Consolas" panose="020B0609020204030204" pitchFamily="49" charset="0"/>
+              </a:rPr>
+              <a:t>print(</a:t>
+            </a:r>
+            <a:r>
+              <a:rPr lang="en-US" altLang="ja-JP" b="0" dirty="0" err="1">
+                <a:solidFill>
+                  <a:srgbClr val="000000"/>
+                </a:solidFill>
+                <a:effectLst/>
+                <a:latin typeface="Consolas" panose="020B0609020204030204" pitchFamily="49" charset="0"/>
+              </a:rPr>
+              <a:t>json.dumps</a:t>
+            </a:r>
+            <a:r>
+              <a:rPr lang="en-US" altLang="ja-JP" b="0" dirty="0">
+                <a:solidFill>
+                  <a:srgbClr val="000000"/>
+                </a:solidFill>
+                <a:effectLst/>
+                <a:latin typeface="Consolas" panose="020B0609020204030204" pitchFamily="49" charset="0"/>
+              </a:rPr>
+              <a:t>(result, indent=</a:t>
+            </a:r>
+            <a:r>
+              <a:rPr lang="en-US" altLang="ja-JP" b="0" dirty="0">
+                <a:solidFill>
+                  <a:srgbClr val="098658"/>
+                </a:solidFill>
+                <a:effectLst/>
+                <a:latin typeface="Consolas" panose="020B0609020204030204" pitchFamily="49" charset="0"/>
+              </a:rPr>
+              <a:t>4</a:t>
+            </a:r>
+            <a:r>
+              <a:rPr lang="en-US" altLang="ja-JP" b="0" dirty="0">
+                <a:solidFill>
+                  <a:srgbClr val="000000"/>
+                </a:solidFill>
+                <a:effectLst/>
+                <a:latin typeface="Consolas" panose="020B0609020204030204" pitchFamily="49" charset="0"/>
+              </a:rPr>
+              <a:t>))</a:t>
+            </a:r>
+          </a:p>
+        </p:txBody>
+      </p:sp>
+      <p:sp>
+        <p:nvSpPr>
+          <p:cNvPr id="7" name="テキスト ボックス 6">
+            <a:extLst>
+              <a:ext uri="{FF2B5EF4-FFF2-40B4-BE49-F238E27FC236}">
+                <a16:creationId xmlns:a16="http://schemas.microsoft.com/office/drawing/2014/main" id="{5DE9A10F-417B-1D4A-FF7D-C92EAF0D8177}"/>
+              </a:ext>
+            </a:extLst>
+          </p:cNvPr>
+          <p:cNvSpPr txBox="1"/>
+          <p:nvPr/>
+        </p:nvSpPr>
+        <p:spPr>
+          <a:xfrm>
+            <a:off x="387989" y="2731378"/>
+            <a:ext cx="4376957" cy="923330"/>
+          </a:xfrm>
+          <a:prstGeom prst="rect">
+            <a:avLst/>
+          </a:prstGeom>
+          <a:noFill/>
+        </p:spPr>
+        <p:txBody>
+          <a:bodyPr wrap="square" rtlCol="0">
+            <a:spAutoFit/>
+          </a:bodyPr>
+          <a:lstStyle/>
+          <a:p>
+            <a:r>
+              <a:rPr lang="en-US" altLang="ja-JP" b="0" dirty="0" err="1">
+                <a:solidFill>
+                  <a:srgbClr val="000000"/>
+                </a:solidFill>
+                <a:effectLst/>
+              </a:rPr>
+              <a:t>detect_key_phrases</a:t>
+            </a:r>
+            <a:r>
+              <a:rPr lang="ja-JP" altLang="en-US" b="0" dirty="0">
+                <a:solidFill>
+                  <a:srgbClr val="000000"/>
+                </a:solidFill>
+                <a:effectLst/>
+              </a:rPr>
+              <a:t>メソッド</a:t>
+            </a:r>
+            <a:br>
+              <a:rPr lang="en-US" altLang="ja-JP" b="0" dirty="0">
+                <a:solidFill>
+                  <a:srgbClr val="000000"/>
+                </a:solidFill>
+                <a:effectLst/>
+              </a:rPr>
+            </a:br>
+            <a:r>
+              <a:rPr lang="ja-JP" altLang="en-US" b="0" dirty="0">
+                <a:solidFill>
+                  <a:srgbClr val="000000"/>
+                </a:solidFill>
+                <a:effectLst/>
+              </a:rPr>
+              <a:t>文字列のキーフレーズを抽出する</a:t>
+            </a:r>
+            <a:br>
+              <a:rPr lang="en-US" altLang="ja-JP" b="0" dirty="0">
+                <a:solidFill>
+                  <a:srgbClr val="000000"/>
+                </a:solidFill>
+                <a:effectLst/>
+              </a:rPr>
+            </a:br>
+            <a:r>
+              <a:rPr lang="ja-JP" altLang="en-US" b="0" dirty="0">
+                <a:solidFill>
+                  <a:srgbClr val="000000"/>
+                </a:solidFill>
+                <a:effectLst/>
+              </a:rPr>
+              <a:t>戻り値　抽出したキーフレーズの情報</a:t>
+            </a:r>
+            <a:endParaRPr lang="en-US" altLang="ja-JP" b="0" dirty="0">
+              <a:solidFill>
+                <a:srgbClr val="000000"/>
+              </a:solidFill>
+              <a:effectLst/>
+            </a:endParaRPr>
+          </a:p>
+        </p:txBody>
+      </p:sp>
+    </p:spTree>
+    <p:extLst>
+      <p:ext uri="{BB962C8B-B14F-4D97-AF65-F5344CB8AC3E}">
+        <p14:creationId xmlns:p14="http://schemas.microsoft.com/office/powerpoint/2010/main" val="346868544"/>
+      </p:ext>
+    </p:extLst>
+  </p:cSld>
+  <p:clrMapOvr>
+    <a:masterClrMapping/>
+  </p:clrMapOvr>
+</p:sld>
+</file>
+
+<file path=ppt/slides/slide25.xml><?xml version="1.0" encoding="utf-8"?>
+<p:sld xmlns:a="http://schemas.openxmlformats.org/drawingml/2006/main" xmlns:r="http://schemas.openxmlformats.org/officeDocument/2006/relationships" xmlns:p="http://schemas.openxmlformats.org/presentationml/2006/main">
+  <p:cSld>
+    <p:spTree>
+      <p:nvGrpSpPr>
+        <p:cNvPr id="1" name="">
+          <a:extLst>
+            <a:ext uri="{FF2B5EF4-FFF2-40B4-BE49-F238E27FC236}">
+              <a16:creationId xmlns:a16="http://schemas.microsoft.com/office/drawing/2014/main" id="{BAF83ABF-FD18-F903-DDF6-786291B11E07}"/>
+            </a:ext>
+          </a:extLst>
+        </p:cNvPr>
+        <p:cNvGrpSpPr/>
+        <p:nvPr/>
+      </p:nvGrpSpPr>
+      <p:grpSpPr>
+        <a:xfrm>
+          <a:off x="0" y="0"/>
+          <a:ext cx="0" cy="0"/>
+          <a:chOff x="0" y="0"/>
+          <a:chExt cx="0" cy="0"/>
+        </a:xfrm>
+      </p:grpSpPr>
+      <p:pic>
+        <p:nvPicPr>
+          <p:cNvPr id="3" name="図 2">
+            <a:extLst>
+              <a:ext uri="{FF2B5EF4-FFF2-40B4-BE49-F238E27FC236}">
+                <a16:creationId xmlns:a16="http://schemas.microsoft.com/office/drawing/2014/main" id="{8AFA2A5D-5954-D0BA-EBD8-80D60A0E443B}"/>
+              </a:ext>
+            </a:extLst>
+          </p:cNvPr>
+          <p:cNvPicPr>
+            <a:picLocks noChangeAspect="1"/>
+          </p:cNvPicPr>
+          <p:nvPr/>
+        </p:nvPicPr>
+        <p:blipFill>
+          <a:blip r:embed="rId2"/>
+          <a:stretch>
+            <a:fillRect/>
+          </a:stretch>
+        </p:blipFill>
+        <p:spPr>
+          <a:xfrm>
+            <a:off x="692847" y="260058"/>
+            <a:ext cx="7824365" cy="6337883"/>
+          </a:xfrm>
+          <a:prstGeom prst="rect">
+            <a:avLst/>
+          </a:prstGeom>
+        </p:spPr>
+      </p:pic>
+    </p:spTree>
+    <p:extLst>
+      <p:ext uri="{BB962C8B-B14F-4D97-AF65-F5344CB8AC3E}">
+        <p14:creationId xmlns:p14="http://schemas.microsoft.com/office/powerpoint/2010/main" val="1559013881"/>
+      </p:ext>
+    </p:extLst>
+  </p:cSld>
+  <p:clrMapOvr>
+    <a:masterClrMapping/>
+  </p:clrMapOvr>
+</p:sld>
+</file>
+
+<file path=ppt/slides/slide26.xml><?xml version="1.0" encoding="utf-8"?>
+<p:sld xmlns:a="http://schemas.openxmlformats.org/drawingml/2006/main" xmlns:r="http://schemas.openxmlformats.org/officeDocument/2006/relationships" xmlns:p="http://schemas.openxmlformats.org/presentationml/2006/main">
+  <p:cSld>
+    <p:spTree>
+      <p:nvGrpSpPr>
+        <p:cNvPr id="1" name="">
+          <a:extLst>
+            <a:ext uri="{FF2B5EF4-FFF2-40B4-BE49-F238E27FC236}">
+              <a16:creationId xmlns:a16="http://schemas.microsoft.com/office/drawing/2014/main" id="{80357B21-025F-8B1D-7634-827EAC7AD09A}"/>
+            </a:ext>
+          </a:extLst>
+        </p:cNvPr>
+        <p:cNvGrpSpPr/>
+        <p:nvPr/>
+      </p:nvGrpSpPr>
+      <p:grpSpPr>
+        <a:xfrm>
+          <a:off x="0" y="0"/>
+          <a:ext cx="0" cy="0"/>
+          <a:chOff x="0" y="0"/>
+          <a:chExt cx="0" cy="0"/>
+        </a:xfrm>
+      </p:grpSpPr>
+      <p:sp>
+        <p:nvSpPr>
+          <p:cNvPr id="3" name="テキスト ボックス 2">
+            <a:extLst>
+              <a:ext uri="{FF2B5EF4-FFF2-40B4-BE49-F238E27FC236}">
+                <a16:creationId xmlns:a16="http://schemas.microsoft.com/office/drawing/2014/main" id="{4BAEE549-C030-BE13-D7B4-6ED2BA64C3CD}"/>
+              </a:ext>
+            </a:extLst>
+          </p:cNvPr>
+          <p:cNvSpPr txBox="1"/>
+          <p:nvPr/>
+        </p:nvSpPr>
+        <p:spPr>
+          <a:xfrm>
+            <a:off x="421547" y="603380"/>
+            <a:ext cx="8663730" cy="1184042"/>
+          </a:xfrm>
+          <a:prstGeom prst="rect">
+            <a:avLst/>
+          </a:prstGeom>
+          <a:noFill/>
+        </p:spPr>
+        <p:txBody>
+          <a:bodyPr wrap="square">
+            <a:spAutoFit/>
+          </a:bodyPr>
+          <a:lstStyle/>
+          <a:p>
+            <a:pPr>
+              <a:lnSpc>
+                <a:spcPts val="1425"/>
+              </a:lnSpc>
+              <a:buNone/>
+            </a:pPr>
+            <a:r>
+              <a:rPr lang="en-US" altLang="ja-JP" b="0" dirty="0">
+                <a:solidFill>
+                  <a:srgbClr val="0000FF"/>
+                </a:solidFill>
+                <a:effectLst/>
+                <a:latin typeface="Consolas" panose="020B0609020204030204" pitchFamily="49" charset="0"/>
+              </a:rPr>
+              <a:t>import</a:t>
+            </a:r>
+            <a:r>
+              <a:rPr lang="en-US" altLang="ja-JP" b="0" dirty="0">
+                <a:solidFill>
+                  <a:srgbClr val="000000"/>
+                </a:solidFill>
+                <a:effectLst/>
+                <a:latin typeface="Consolas" panose="020B0609020204030204" pitchFamily="49" charset="0"/>
+              </a:rPr>
+              <a:t> boto3</a:t>
+            </a:r>
+          </a:p>
+          <a:p>
+            <a:pPr>
+              <a:lnSpc>
+                <a:spcPts val="1425"/>
+              </a:lnSpc>
+              <a:buNone/>
+            </a:pPr>
+            <a:r>
+              <a:rPr lang="en-US" altLang="ja-JP" b="0" dirty="0">
+                <a:solidFill>
+                  <a:srgbClr val="0000FF"/>
+                </a:solidFill>
+                <a:effectLst/>
+                <a:latin typeface="Consolas" panose="020B0609020204030204" pitchFamily="49" charset="0"/>
+              </a:rPr>
+              <a:t>import</a:t>
+            </a:r>
+            <a:r>
+              <a:rPr lang="en-US" altLang="ja-JP" b="0" dirty="0">
+                <a:solidFill>
+                  <a:srgbClr val="000000"/>
+                </a:solidFill>
+                <a:effectLst/>
+                <a:latin typeface="Consolas" panose="020B0609020204030204" pitchFamily="49" charset="0"/>
+              </a:rPr>
+              <a:t> </a:t>
+            </a:r>
+            <a:r>
+              <a:rPr lang="en-US" altLang="ja-JP" b="0" dirty="0" err="1">
+                <a:solidFill>
+                  <a:srgbClr val="000000"/>
+                </a:solidFill>
+                <a:effectLst/>
+                <a:latin typeface="Consolas" panose="020B0609020204030204" pitchFamily="49" charset="0"/>
+              </a:rPr>
+              <a:t>json</a:t>
+            </a:r>
+            <a:endParaRPr lang="en-US" altLang="ja-JP" b="0" dirty="0">
+              <a:solidFill>
+                <a:srgbClr val="000000"/>
+              </a:solidFill>
+              <a:effectLst/>
+              <a:latin typeface="Consolas" panose="020B0609020204030204" pitchFamily="49" charset="0"/>
+            </a:endParaRPr>
+          </a:p>
+          <a:p>
+            <a:pPr>
+              <a:lnSpc>
+                <a:spcPts val="1425"/>
+              </a:lnSpc>
+              <a:buNone/>
+            </a:pPr>
+            <a:r>
+              <a:rPr lang="en-US" altLang="ja-JP" b="0" dirty="0">
+                <a:solidFill>
+                  <a:srgbClr val="000000"/>
+                </a:solidFill>
+                <a:effectLst/>
+                <a:latin typeface="Consolas" panose="020B0609020204030204" pitchFamily="49" charset="0"/>
+              </a:rPr>
+              <a:t>comprehend = boto3.client(</a:t>
+            </a:r>
+            <a:r>
+              <a:rPr lang="en-US" altLang="ja-JP" b="0" dirty="0">
+                <a:solidFill>
+                  <a:srgbClr val="A31515"/>
+                </a:solidFill>
+                <a:effectLst/>
+                <a:latin typeface="Consolas" panose="020B0609020204030204" pitchFamily="49" charset="0"/>
+              </a:rPr>
+              <a:t>'comprehend'</a:t>
+            </a:r>
+            <a:r>
+              <a:rPr lang="en-US" altLang="ja-JP" b="0" dirty="0">
+                <a:solidFill>
+                  <a:srgbClr val="000000"/>
+                </a:solidFill>
+                <a:effectLst/>
+                <a:latin typeface="Consolas" panose="020B0609020204030204" pitchFamily="49" charset="0"/>
+              </a:rPr>
+              <a:t>, </a:t>
+            </a:r>
+            <a:r>
+              <a:rPr lang="en-US" altLang="ja-JP" b="0" dirty="0">
+                <a:solidFill>
+                  <a:srgbClr val="A31515"/>
+                </a:solidFill>
+                <a:effectLst/>
+                <a:latin typeface="Consolas" panose="020B0609020204030204" pitchFamily="49" charset="0"/>
+              </a:rPr>
+              <a:t>'us-east-2'</a:t>
+            </a:r>
+            <a:r>
+              <a:rPr lang="en-US" altLang="ja-JP" b="0" dirty="0">
+                <a:solidFill>
+                  <a:srgbClr val="000000"/>
+                </a:solidFill>
+                <a:effectLst/>
+                <a:latin typeface="Consolas" panose="020B0609020204030204" pitchFamily="49" charset="0"/>
+              </a:rPr>
+              <a:t>)</a:t>
+            </a:r>
+          </a:p>
+          <a:p>
+            <a:pPr>
+              <a:lnSpc>
+                <a:spcPts val="1425"/>
+              </a:lnSpc>
+              <a:buNone/>
+            </a:pPr>
+            <a:r>
+              <a:rPr lang="en-US" altLang="ja-JP" b="0" dirty="0">
+                <a:solidFill>
+                  <a:srgbClr val="000000"/>
+                </a:solidFill>
+                <a:effectLst/>
+                <a:latin typeface="Consolas" panose="020B0609020204030204" pitchFamily="49" charset="0"/>
+              </a:rPr>
+              <a:t>text = </a:t>
+            </a:r>
+            <a:r>
+              <a:rPr lang="en-US" altLang="ja-JP" b="0" dirty="0">
+                <a:solidFill>
+                  <a:srgbClr val="A31515"/>
+                </a:solidFill>
+                <a:effectLst/>
+                <a:latin typeface="Consolas" panose="020B0609020204030204" pitchFamily="49" charset="0"/>
+              </a:rPr>
+              <a:t>"I'm looking forward to visiting Japan next summer."</a:t>
+            </a:r>
+            <a:endParaRPr lang="en-US" altLang="ja-JP" b="0" dirty="0">
+              <a:solidFill>
+                <a:srgbClr val="000000"/>
+              </a:solidFill>
+              <a:effectLst/>
+              <a:latin typeface="Consolas" panose="020B0609020204030204" pitchFamily="49" charset="0"/>
+            </a:endParaRPr>
+          </a:p>
+          <a:p>
+            <a:pPr>
+              <a:lnSpc>
+                <a:spcPts val="1425"/>
+              </a:lnSpc>
+              <a:buNone/>
+            </a:pPr>
+            <a:r>
+              <a:rPr lang="en-US" altLang="ja-JP" b="0" dirty="0">
+                <a:solidFill>
+                  <a:srgbClr val="000000"/>
+                </a:solidFill>
+                <a:effectLst/>
+                <a:latin typeface="Consolas" panose="020B0609020204030204" pitchFamily="49" charset="0"/>
+              </a:rPr>
+              <a:t>result = </a:t>
+            </a:r>
+            <a:r>
+              <a:rPr lang="en-US" altLang="ja-JP" b="0" dirty="0" err="1">
+                <a:solidFill>
+                  <a:srgbClr val="000000"/>
+                </a:solidFill>
+                <a:effectLst/>
+                <a:latin typeface="Consolas" panose="020B0609020204030204" pitchFamily="49" charset="0"/>
+              </a:rPr>
+              <a:t>comprehend.detect_entities</a:t>
+            </a:r>
+            <a:r>
+              <a:rPr lang="en-US" altLang="ja-JP" b="0" dirty="0">
+                <a:solidFill>
+                  <a:srgbClr val="000000"/>
+                </a:solidFill>
+                <a:effectLst/>
+                <a:latin typeface="Consolas" panose="020B0609020204030204" pitchFamily="49" charset="0"/>
+              </a:rPr>
+              <a:t>(Text=text, </a:t>
+            </a:r>
+            <a:r>
+              <a:rPr lang="en-US" altLang="ja-JP" b="0" dirty="0" err="1">
+                <a:solidFill>
+                  <a:srgbClr val="000000"/>
+                </a:solidFill>
+                <a:effectLst/>
+                <a:latin typeface="Consolas" panose="020B0609020204030204" pitchFamily="49" charset="0"/>
+              </a:rPr>
+              <a:t>LanguageCode</a:t>
+            </a:r>
+            <a:r>
+              <a:rPr lang="en-US" altLang="ja-JP" b="0" dirty="0">
+                <a:solidFill>
+                  <a:srgbClr val="000000"/>
+                </a:solidFill>
+                <a:effectLst/>
+                <a:latin typeface="Consolas" panose="020B0609020204030204" pitchFamily="49" charset="0"/>
+              </a:rPr>
+              <a:t>=</a:t>
+            </a:r>
+            <a:r>
+              <a:rPr lang="en-US" altLang="ja-JP" b="0" dirty="0">
+                <a:solidFill>
+                  <a:srgbClr val="A31515"/>
+                </a:solidFill>
+                <a:effectLst/>
+                <a:latin typeface="Consolas" panose="020B0609020204030204" pitchFamily="49" charset="0"/>
+              </a:rPr>
+              <a:t>'</a:t>
+            </a:r>
+            <a:r>
+              <a:rPr lang="en-US" altLang="ja-JP" b="0" dirty="0" err="1">
+                <a:solidFill>
+                  <a:srgbClr val="A31515"/>
+                </a:solidFill>
+                <a:effectLst/>
+                <a:latin typeface="Consolas" panose="020B0609020204030204" pitchFamily="49" charset="0"/>
+              </a:rPr>
+              <a:t>en</a:t>
+            </a:r>
+            <a:r>
+              <a:rPr lang="en-US" altLang="ja-JP" b="0" dirty="0">
+                <a:solidFill>
+                  <a:srgbClr val="A31515"/>
+                </a:solidFill>
+                <a:effectLst/>
+                <a:latin typeface="Consolas" panose="020B0609020204030204" pitchFamily="49" charset="0"/>
+              </a:rPr>
+              <a:t>'</a:t>
+            </a:r>
+            <a:r>
+              <a:rPr lang="en-US" altLang="ja-JP" b="0" dirty="0">
+                <a:solidFill>
+                  <a:srgbClr val="000000"/>
+                </a:solidFill>
+                <a:effectLst/>
+                <a:latin typeface="Consolas" panose="020B0609020204030204" pitchFamily="49" charset="0"/>
+              </a:rPr>
+              <a:t>)</a:t>
+            </a:r>
+          </a:p>
+          <a:p>
+            <a:pPr>
+              <a:lnSpc>
+                <a:spcPts val="1425"/>
+              </a:lnSpc>
+              <a:buNone/>
+            </a:pPr>
+            <a:r>
+              <a:rPr lang="en-US" altLang="ja-JP" b="0" dirty="0">
+                <a:solidFill>
+                  <a:srgbClr val="000000"/>
+                </a:solidFill>
+                <a:effectLst/>
+                <a:latin typeface="Consolas" panose="020B0609020204030204" pitchFamily="49" charset="0"/>
+              </a:rPr>
+              <a:t>print(</a:t>
+            </a:r>
+            <a:r>
+              <a:rPr lang="en-US" altLang="ja-JP" b="0" dirty="0" err="1">
+                <a:solidFill>
+                  <a:srgbClr val="000000"/>
+                </a:solidFill>
+                <a:effectLst/>
+                <a:latin typeface="Consolas" panose="020B0609020204030204" pitchFamily="49" charset="0"/>
+              </a:rPr>
+              <a:t>json.dumps</a:t>
+            </a:r>
+            <a:r>
+              <a:rPr lang="en-US" altLang="ja-JP" b="0" dirty="0">
+                <a:solidFill>
+                  <a:srgbClr val="000000"/>
+                </a:solidFill>
+                <a:effectLst/>
+                <a:latin typeface="Consolas" panose="020B0609020204030204" pitchFamily="49" charset="0"/>
+              </a:rPr>
+              <a:t>(result, indent=</a:t>
+            </a:r>
+            <a:r>
+              <a:rPr lang="en-US" altLang="ja-JP" b="0" dirty="0">
+                <a:solidFill>
+                  <a:srgbClr val="098658"/>
+                </a:solidFill>
+                <a:effectLst/>
+                <a:latin typeface="Consolas" panose="020B0609020204030204" pitchFamily="49" charset="0"/>
+              </a:rPr>
+              <a:t>4</a:t>
+            </a:r>
+            <a:r>
+              <a:rPr lang="en-US" altLang="ja-JP" b="0" dirty="0">
+                <a:solidFill>
+                  <a:srgbClr val="000000"/>
+                </a:solidFill>
+                <a:effectLst/>
+                <a:latin typeface="Consolas" panose="020B0609020204030204" pitchFamily="49" charset="0"/>
+              </a:rPr>
+              <a:t>))</a:t>
+            </a:r>
+          </a:p>
+        </p:txBody>
+      </p:sp>
+      <p:sp>
+        <p:nvSpPr>
+          <p:cNvPr id="5" name="テキスト ボックス 4">
+            <a:extLst>
+              <a:ext uri="{FF2B5EF4-FFF2-40B4-BE49-F238E27FC236}">
+                <a16:creationId xmlns:a16="http://schemas.microsoft.com/office/drawing/2014/main" id="{F06B9BBA-C4C3-3225-6706-80A51F282651}"/>
+              </a:ext>
+            </a:extLst>
+          </p:cNvPr>
+          <p:cNvSpPr txBox="1"/>
+          <p:nvPr/>
+        </p:nvSpPr>
+        <p:spPr>
+          <a:xfrm>
+            <a:off x="376455" y="2429374"/>
+            <a:ext cx="4376957" cy="923330"/>
+          </a:xfrm>
+          <a:prstGeom prst="rect">
+            <a:avLst/>
+          </a:prstGeom>
+          <a:noFill/>
+        </p:spPr>
+        <p:txBody>
+          <a:bodyPr wrap="square" rtlCol="0">
+            <a:spAutoFit/>
+          </a:bodyPr>
+          <a:lstStyle/>
+          <a:p>
+            <a:r>
+              <a:rPr lang="en-US" altLang="ja-JP" b="0" dirty="0" err="1">
+                <a:solidFill>
+                  <a:srgbClr val="000000"/>
+                </a:solidFill>
+                <a:effectLst/>
+              </a:rPr>
+              <a:t>detect_</a:t>
+            </a:r>
+            <a:r>
+              <a:rPr lang="en-US" altLang="ja-JP" dirty="0" err="1">
+                <a:solidFill>
+                  <a:srgbClr val="000000"/>
+                </a:solidFill>
+              </a:rPr>
+              <a:t>entities</a:t>
+            </a:r>
+            <a:r>
+              <a:rPr lang="ja-JP" altLang="en-US" b="0" dirty="0">
+                <a:solidFill>
+                  <a:srgbClr val="000000"/>
+                </a:solidFill>
+                <a:effectLst/>
+              </a:rPr>
+              <a:t>メソッド</a:t>
+            </a:r>
+            <a:br>
+              <a:rPr lang="en-US" altLang="ja-JP" b="0" dirty="0">
+                <a:solidFill>
+                  <a:srgbClr val="000000"/>
+                </a:solidFill>
+                <a:effectLst/>
+              </a:rPr>
+            </a:br>
+            <a:r>
+              <a:rPr lang="ja-JP" altLang="en-US" b="0" dirty="0">
+                <a:solidFill>
+                  <a:srgbClr val="000000"/>
+                </a:solidFill>
+                <a:effectLst/>
+              </a:rPr>
+              <a:t>文字列</a:t>
+            </a:r>
+            <a:r>
+              <a:rPr lang="ja-JP" altLang="en-US" dirty="0">
+                <a:solidFill>
+                  <a:srgbClr val="000000"/>
+                </a:solidFill>
+              </a:rPr>
+              <a:t>内のエンティティ</a:t>
+            </a:r>
+            <a:r>
+              <a:rPr lang="ja-JP" altLang="en-US" b="0" dirty="0">
+                <a:solidFill>
+                  <a:srgbClr val="000000"/>
+                </a:solidFill>
+                <a:effectLst/>
+              </a:rPr>
+              <a:t>を認識する</a:t>
+            </a:r>
+            <a:br>
+              <a:rPr lang="en-US" altLang="ja-JP" b="0" dirty="0">
+                <a:solidFill>
+                  <a:srgbClr val="000000"/>
+                </a:solidFill>
+                <a:effectLst/>
+              </a:rPr>
+            </a:br>
+            <a:r>
+              <a:rPr lang="ja-JP" altLang="en-US" b="0" dirty="0">
+                <a:solidFill>
+                  <a:srgbClr val="000000"/>
+                </a:solidFill>
+                <a:effectLst/>
+              </a:rPr>
+              <a:t>戻り値　認識したエンティティの情報</a:t>
+            </a:r>
+            <a:endParaRPr lang="en-US" altLang="ja-JP" b="0" dirty="0">
+              <a:solidFill>
+                <a:srgbClr val="000000"/>
+              </a:solidFill>
+              <a:effectLst/>
+            </a:endParaRPr>
+          </a:p>
+        </p:txBody>
+      </p:sp>
+    </p:spTree>
+    <p:extLst>
+      <p:ext uri="{BB962C8B-B14F-4D97-AF65-F5344CB8AC3E}">
+        <p14:creationId xmlns:p14="http://schemas.microsoft.com/office/powerpoint/2010/main" val="2691303104"/>
+      </p:ext>
+    </p:extLst>
+  </p:cSld>
+  <p:clrMapOvr>
+    <a:masterClrMapping/>
+  </p:clrMapOvr>
+</p:sld>
+</file>
+
+<file path=ppt/slides/slide27.xml><?xml version="1.0" encoding="utf-8"?>
+<p:sld xmlns:a="http://schemas.openxmlformats.org/drawingml/2006/main" xmlns:r="http://schemas.openxmlformats.org/officeDocument/2006/relationships" xmlns:p="http://schemas.openxmlformats.org/presentationml/2006/main">
+  <p:cSld>
+    <p:spTree>
+      <p:nvGrpSpPr>
+        <p:cNvPr id="1" name="">
+          <a:extLst>
+            <a:ext uri="{FF2B5EF4-FFF2-40B4-BE49-F238E27FC236}">
+              <a16:creationId xmlns:a16="http://schemas.microsoft.com/office/drawing/2014/main" id="{6D048ED6-D056-CAAC-A3E1-BFE0BC54C941}"/>
+            </a:ext>
+          </a:extLst>
+        </p:cNvPr>
+        <p:cNvGrpSpPr/>
+        <p:nvPr/>
+      </p:nvGrpSpPr>
+      <p:grpSpPr>
+        <a:xfrm>
+          <a:off x="0" y="0"/>
+          <a:ext cx="0" cy="0"/>
+          <a:chOff x="0" y="0"/>
+          <a:chExt cx="0" cy="0"/>
+        </a:xfrm>
+      </p:grpSpPr>
+      <p:pic>
+        <p:nvPicPr>
+          <p:cNvPr id="3" name="図 2">
+            <a:extLst>
+              <a:ext uri="{FF2B5EF4-FFF2-40B4-BE49-F238E27FC236}">
+                <a16:creationId xmlns:a16="http://schemas.microsoft.com/office/drawing/2014/main" id="{2476D57D-1529-6631-FD53-4977E389B7B2}"/>
+              </a:ext>
+            </a:extLst>
+          </p:cNvPr>
+          <p:cNvPicPr>
+            <a:picLocks noChangeAspect="1"/>
+          </p:cNvPicPr>
+          <p:nvPr/>
+        </p:nvPicPr>
+        <p:blipFill>
+          <a:blip r:embed="rId2"/>
+          <a:stretch>
+            <a:fillRect/>
+          </a:stretch>
+        </p:blipFill>
+        <p:spPr>
+          <a:xfrm>
+            <a:off x="1048623" y="175916"/>
+            <a:ext cx="6947050" cy="6506167"/>
+          </a:xfrm>
+          <a:prstGeom prst="rect">
+            <a:avLst/>
+          </a:prstGeom>
+        </p:spPr>
+      </p:pic>
+    </p:spTree>
+    <p:extLst>
+      <p:ext uri="{BB962C8B-B14F-4D97-AF65-F5344CB8AC3E}">
+        <p14:creationId xmlns:p14="http://schemas.microsoft.com/office/powerpoint/2010/main" val="3165707774"/>
+      </p:ext>
+    </p:extLst>
+  </p:cSld>
+  <p:clrMapOvr>
+    <a:masterClrMapping/>
+  </p:clrMapOvr>
+</p:sld>
+</file>
+
+<file path=ppt/slides/slide28.xml><?xml version="1.0" encoding="utf-8"?>
+<p:sld xmlns:a="http://schemas.openxmlformats.org/drawingml/2006/main" xmlns:r="http://schemas.openxmlformats.org/officeDocument/2006/relationships" xmlns:p="http://schemas.openxmlformats.org/presentationml/2006/main">
+  <p:cSld>
+    <p:spTree>
+      <p:nvGrpSpPr>
+        <p:cNvPr id="1" name="">
+          <a:extLst>
+            <a:ext uri="{FF2B5EF4-FFF2-40B4-BE49-F238E27FC236}">
+              <a16:creationId xmlns:a16="http://schemas.microsoft.com/office/drawing/2014/main" id="{AD43AA3C-D01C-31D7-989D-066469578F42}"/>
+            </a:ext>
+          </a:extLst>
+        </p:cNvPr>
+        <p:cNvGrpSpPr/>
+        <p:nvPr/>
+      </p:nvGrpSpPr>
+      <p:grpSpPr>
+        <a:xfrm>
+          <a:off x="0" y="0"/>
+          <a:ext cx="0" cy="0"/>
+          <a:chOff x="0" y="0"/>
+          <a:chExt cx="0" cy="0"/>
+        </a:xfrm>
+      </p:grpSpPr>
+      <p:sp>
+        <p:nvSpPr>
+          <p:cNvPr id="3" name="テキスト ボックス 2">
+            <a:extLst>
+              <a:ext uri="{FF2B5EF4-FFF2-40B4-BE49-F238E27FC236}">
+                <a16:creationId xmlns:a16="http://schemas.microsoft.com/office/drawing/2014/main" id="{031D3709-FB97-5F30-DA0B-C37F75D02B73}"/>
+              </a:ext>
+            </a:extLst>
+          </p:cNvPr>
+          <p:cNvSpPr txBox="1"/>
+          <p:nvPr/>
+        </p:nvSpPr>
+        <p:spPr>
+          <a:xfrm>
+            <a:off x="513825" y="636936"/>
+            <a:ext cx="8705675" cy="1184042"/>
+          </a:xfrm>
+          <a:prstGeom prst="rect">
+            <a:avLst/>
+          </a:prstGeom>
+          <a:noFill/>
+        </p:spPr>
+        <p:txBody>
+          <a:bodyPr wrap="square">
+            <a:spAutoFit/>
+          </a:bodyPr>
+          <a:lstStyle/>
+          <a:p>
+            <a:pPr>
+              <a:lnSpc>
+                <a:spcPts val="1425"/>
+              </a:lnSpc>
+              <a:buNone/>
+            </a:pPr>
+            <a:r>
+              <a:rPr lang="en-US" altLang="ja-JP" b="0" dirty="0">
+                <a:solidFill>
+                  <a:srgbClr val="0000FF"/>
+                </a:solidFill>
+                <a:effectLst/>
+                <a:latin typeface="Consolas" panose="020B0609020204030204" pitchFamily="49" charset="0"/>
+              </a:rPr>
+              <a:t>import</a:t>
+            </a:r>
+            <a:r>
+              <a:rPr lang="en-US" altLang="ja-JP" b="0" dirty="0">
+                <a:solidFill>
+                  <a:srgbClr val="000000"/>
+                </a:solidFill>
+                <a:effectLst/>
+                <a:latin typeface="Consolas" panose="020B0609020204030204" pitchFamily="49" charset="0"/>
+              </a:rPr>
+              <a:t> boto3</a:t>
+            </a:r>
+          </a:p>
+          <a:p>
+            <a:pPr>
+              <a:lnSpc>
+                <a:spcPts val="1425"/>
+              </a:lnSpc>
+              <a:buNone/>
+            </a:pPr>
+            <a:r>
+              <a:rPr lang="en-US" altLang="ja-JP" b="0" dirty="0">
+                <a:solidFill>
+                  <a:srgbClr val="0000FF"/>
+                </a:solidFill>
+                <a:effectLst/>
+                <a:latin typeface="Consolas" panose="020B0609020204030204" pitchFamily="49" charset="0"/>
+              </a:rPr>
+              <a:t>import</a:t>
+            </a:r>
+            <a:r>
+              <a:rPr lang="en-US" altLang="ja-JP" b="0" dirty="0">
+                <a:solidFill>
+                  <a:srgbClr val="000000"/>
+                </a:solidFill>
+                <a:effectLst/>
+                <a:latin typeface="Consolas" panose="020B0609020204030204" pitchFamily="49" charset="0"/>
+              </a:rPr>
+              <a:t> </a:t>
+            </a:r>
+            <a:r>
+              <a:rPr lang="en-US" altLang="ja-JP" b="0" dirty="0" err="1">
+                <a:solidFill>
+                  <a:srgbClr val="000000"/>
+                </a:solidFill>
+                <a:effectLst/>
+                <a:latin typeface="Consolas" panose="020B0609020204030204" pitchFamily="49" charset="0"/>
+              </a:rPr>
+              <a:t>json</a:t>
+            </a:r>
+            <a:endParaRPr lang="en-US" altLang="ja-JP" b="0" dirty="0">
+              <a:solidFill>
+                <a:srgbClr val="000000"/>
+              </a:solidFill>
+              <a:effectLst/>
+              <a:latin typeface="Consolas" panose="020B0609020204030204" pitchFamily="49" charset="0"/>
+            </a:endParaRPr>
+          </a:p>
+          <a:p>
+            <a:pPr>
+              <a:lnSpc>
+                <a:spcPts val="1425"/>
+              </a:lnSpc>
+              <a:buNone/>
+            </a:pPr>
+            <a:r>
+              <a:rPr lang="en-US" altLang="ja-JP" b="0" dirty="0">
+                <a:solidFill>
+                  <a:srgbClr val="000000"/>
+                </a:solidFill>
+                <a:effectLst/>
+                <a:latin typeface="Consolas" panose="020B0609020204030204" pitchFamily="49" charset="0"/>
+              </a:rPr>
+              <a:t>comprehend = boto3.client(</a:t>
+            </a:r>
+            <a:r>
+              <a:rPr lang="en-US" altLang="ja-JP" b="0" dirty="0">
+                <a:solidFill>
+                  <a:srgbClr val="A31515"/>
+                </a:solidFill>
+                <a:effectLst/>
+                <a:latin typeface="Consolas" panose="020B0609020204030204" pitchFamily="49" charset="0"/>
+              </a:rPr>
+              <a:t>'comprehend'</a:t>
+            </a:r>
+            <a:r>
+              <a:rPr lang="en-US" altLang="ja-JP" b="0" dirty="0">
+                <a:solidFill>
+                  <a:srgbClr val="000000"/>
+                </a:solidFill>
+                <a:effectLst/>
+                <a:latin typeface="Consolas" panose="020B0609020204030204" pitchFamily="49" charset="0"/>
+              </a:rPr>
+              <a:t>, </a:t>
+            </a:r>
+            <a:r>
+              <a:rPr lang="en-US" altLang="ja-JP" b="0" dirty="0">
+                <a:solidFill>
+                  <a:srgbClr val="A31515"/>
+                </a:solidFill>
+                <a:effectLst/>
+                <a:latin typeface="Consolas" panose="020B0609020204030204" pitchFamily="49" charset="0"/>
+              </a:rPr>
+              <a:t>'us-east-2'</a:t>
+            </a:r>
+            <a:r>
+              <a:rPr lang="en-US" altLang="ja-JP" b="0" dirty="0">
+                <a:solidFill>
+                  <a:srgbClr val="000000"/>
+                </a:solidFill>
+                <a:effectLst/>
+                <a:latin typeface="Consolas" panose="020B0609020204030204" pitchFamily="49" charset="0"/>
+              </a:rPr>
+              <a:t>)</a:t>
+            </a:r>
+          </a:p>
+          <a:p>
+            <a:pPr>
+              <a:lnSpc>
+                <a:spcPts val="1425"/>
+              </a:lnSpc>
+              <a:buNone/>
+            </a:pPr>
+            <a:r>
+              <a:rPr lang="en-US" altLang="ja-JP" b="0" dirty="0">
+                <a:solidFill>
+                  <a:srgbClr val="000000"/>
+                </a:solidFill>
+                <a:effectLst/>
+                <a:latin typeface="Consolas" panose="020B0609020204030204" pitchFamily="49" charset="0"/>
+              </a:rPr>
+              <a:t>text = </a:t>
+            </a:r>
+            <a:r>
+              <a:rPr lang="en-US" altLang="ja-JP" b="0" dirty="0">
+                <a:solidFill>
+                  <a:srgbClr val="A31515"/>
+                </a:solidFill>
+                <a:effectLst/>
+                <a:latin typeface="Consolas" panose="020B0609020204030204" pitchFamily="49" charset="0"/>
+              </a:rPr>
+              <a:t>"I'm looking forward to visiting Japan next summer."</a:t>
+            </a:r>
+            <a:endParaRPr lang="en-US" altLang="ja-JP" b="0" dirty="0">
+              <a:solidFill>
+                <a:srgbClr val="000000"/>
+              </a:solidFill>
+              <a:effectLst/>
+              <a:latin typeface="Consolas" panose="020B0609020204030204" pitchFamily="49" charset="0"/>
+            </a:endParaRPr>
+          </a:p>
+          <a:p>
+            <a:pPr>
+              <a:lnSpc>
+                <a:spcPts val="1425"/>
+              </a:lnSpc>
+              <a:buNone/>
+            </a:pPr>
+            <a:r>
+              <a:rPr lang="en-US" altLang="ja-JP" b="0" dirty="0">
+                <a:solidFill>
+                  <a:srgbClr val="000000"/>
+                </a:solidFill>
+                <a:effectLst/>
+                <a:latin typeface="Consolas" panose="020B0609020204030204" pitchFamily="49" charset="0"/>
+              </a:rPr>
+              <a:t>result = </a:t>
+            </a:r>
+            <a:r>
+              <a:rPr lang="en-US" altLang="ja-JP" b="0" dirty="0" err="1">
+                <a:solidFill>
+                  <a:srgbClr val="000000"/>
+                </a:solidFill>
+                <a:effectLst/>
+                <a:latin typeface="Consolas" panose="020B0609020204030204" pitchFamily="49" charset="0"/>
+              </a:rPr>
+              <a:t>comprehend.detect_syntax</a:t>
+            </a:r>
+            <a:r>
+              <a:rPr lang="en-US" altLang="ja-JP" b="0" dirty="0">
+                <a:solidFill>
+                  <a:srgbClr val="000000"/>
+                </a:solidFill>
+                <a:effectLst/>
+                <a:latin typeface="Consolas" panose="020B0609020204030204" pitchFamily="49" charset="0"/>
+              </a:rPr>
+              <a:t>(Text=text, </a:t>
+            </a:r>
+            <a:r>
+              <a:rPr lang="en-US" altLang="ja-JP" b="0" dirty="0" err="1">
+                <a:solidFill>
+                  <a:srgbClr val="000000"/>
+                </a:solidFill>
+                <a:effectLst/>
+                <a:latin typeface="Consolas" panose="020B0609020204030204" pitchFamily="49" charset="0"/>
+              </a:rPr>
+              <a:t>LanguageCode</a:t>
+            </a:r>
+            <a:r>
+              <a:rPr lang="en-US" altLang="ja-JP" b="0" dirty="0">
+                <a:solidFill>
+                  <a:srgbClr val="000000"/>
+                </a:solidFill>
+                <a:effectLst/>
+                <a:latin typeface="Consolas" panose="020B0609020204030204" pitchFamily="49" charset="0"/>
+              </a:rPr>
+              <a:t>=</a:t>
+            </a:r>
+            <a:r>
+              <a:rPr lang="en-US" altLang="ja-JP" b="0" dirty="0">
+                <a:solidFill>
+                  <a:srgbClr val="A31515"/>
+                </a:solidFill>
+                <a:effectLst/>
+                <a:latin typeface="Consolas" panose="020B0609020204030204" pitchFamily="49" charset="0"/>
+              </a:rPr>
+              <a:t>'</a:t>
+            </a:r>
+            <a:r>
+              <a:rPr lang="en-US" altLang="ja-JP" b="0" dirty="0" err="1">
+                <a:solidFill>
+                  <a:srgbClr val="A31515"/>
+                </a:solidFill>
+                <a:effectLst/>
+                <a:latin typeface="Consolas" panose="020B0609020204030204" pitchFamily="49" charset="0"/>
+              </a:rPr>
+              <a:t>en</a:t>
+            </a:r>
+            <a:r>
+              <a:rPr lang="en-US" altLang="ja-JP" b="0" dirty="0">
+                <a:solidFill>
+                  <a:srgbClr val="A31515"/>
+                </a:solidFill>
+                <a:effectLst/>
+                <a:latin typeface="Consolas" panose="020B0609020204030204" pitchFamily="49" charset="0"/>
+              </a:rPr>
+              <a:t>'</a:t>
+            </a:r>
+            <a:r>
+              <a:rPr lang="en-US" altLang="ja-JP" b="0" dirty="0">
+                <a:solidFill>
+                  <a:srgbClr val="000000"/>
+                </a:solidFill>
+                <a:effectLst/>
+                <a:latin typeface="Consolas" panose="020B0609020204030204" pitchFamily="49" charset="0"/>
+              </a:rPr>
+              <a:t>)</a:t>
+            </a:r>
+          </a:p>
+          <a:p>
+            <a:pPr>
+              <a:lnSpc>
+                <a:spcPts val="1425"/>
+              </a:lnSpc>
+              <a:buNone/>
+            </a:pPr>
+            <a:r>
+              <a:rPr lang="en-US" altLang="ja-JP" b="0" dirty="0">
+                <a:solidFill>
+                  <a:srgbClr val="000000"/>
+                </a:solidFill>
+                <a:effectLst/>
+                <a:latin typeface="Consolas" panose="020B0609020204030204" pitchFamily="49" charset="0"/>
+              </a:rPr>
+              <a:t>print(</a:t>
+            </a:r>
+            <a:r>
+              <a:rPr lang="en-US" altLang="ja-JP" b="0" dirty="0" err="1">
+                <a:solidFill>
+                  <a:srgbClr val="000000"/>
+                </a:solidFill>
+                <a:effectLst/>
+                <a:latin typeface="Consolas" panose="020B0609020204030204" pitchFamily="49" charset="0"/>
+              </a:rPr>
+              <a:t>json.dumps</a:t>
+            </a:r>
+            <a:r>
+              <a:rPr lang="en-US" altLang="ja-JP" b="0" dirty="0">
+                <a:solidFill>
+                  <a:srgbClr val="000000"/>
+                </a:solidFill>
+                <a:effectLst/>
+                <a:latin typeface="Consolas" panose="020B0609020204030204" pitchFamily="49" charset="0"/>
+              </a:rPr>
+              <a:t>(result, indent=</a:t>
+            </a:r>
+            <a:r>
+              <a:rPr lang="en-US" altLang="ja-JP" b="0" dirty="0">
+                <a:solidFill>
+                  <a:srgbClr val="098658"/>
+                </a:solidFill>
+                <a:effectLst/>
+                <a:latin typeface="Consolas" panose="020B0609020204030204" pitchFamily="49" charset="0"/>
+              </a:rPr>
+              <a:t>4</a:t>
+            </a:r>
+            <a:r>
+              <a:rPr lang="en-US" altLang="ja-JP" b="0" dirty="0">
+                <a:solidFill>
+                  <a:srgbClr val="000000"/>
+                </a:solidFill>
+                <a:effectLst/>
+                <a:latin typeface="Consolas" panose="020B0609020204030204" pitchFamily="49" charset="0"/>
+              </a:rPr>
+              <a:t>))</a:t>
+            </a:r>
+          </a:p>
+        </p:txBody>
+      </p:sp>
+      <p:sp>
+        <p:nvSpPr>
+          <p:cNvPr id="4" name="テキスト ボックス 3">
+            <a:extLst>
+              <a:ext uri="{FF2B5EF4-FFF2-40B4-BE49-F238E27FC236}">
+                <a16:creationId xmlns:a16="http://schemas.microsoft.com/office/drawing/2014/main" id="{C3CB5AF5-9C4F-93C0-C68E-FB64F52BFEF9}"/>
+              </a:ext>
+            </a:extLst>
+          </p:cNvPr>
+          <p:cNvSpPr txBox="1"/>
+          <p:nvPr/>
+        </p:nvSpPr>
+        <p:spPr>
+          <a:xfrm>
+            <a:off x="513825" y="2421617"/>
+            <a:ext cx="4376957" cy="923330"/>
+          </a:xfrm>
+          <a:prstGeom prst="rect">
+            <a:avLst/>
+          </a:prstGeom>
+          <a:noFill/>
+        </p:spPr>
+        <p:txBody>
+          <a:bodyPr wrap="square" rtlCol="0">
+            <a:spAutoFit/>
+          </a:bodyPr>
+          <a:lstStyle/>
+          <a:p>
+            <a:r>
+              <a:rPr kumimoji="1" lang="en-US" altLang="ja-JP" dirty="0" err="1"/>
+              <a:t>detect_syntax</a:t>
+            </a:r>
+            <a:r>
+              <a:rPr kumimoji="1" lang="ja-JP" altLang="en-US" dirty="0"/>
+              <a:t>メソッド</a:t>
+            </a:r>
+            <a:br>
+              <a:rPr kumimoji="1" lang="en-US" altLang="ja-JP" dirty="0"/>
+            </a:br>
+            <a:r>
+              <a:rPr lang="ja-JP" altLang="en-US" dirty="0"/>
+              <a:t>文字列の構文を解析する</a:t>
+            </a:r>
+            <a:br>
+              <a:rPr kumimoji="1" lang="en-US" altLang="ja-JP" dirty="0"/>
+            </a:br>
+            <a:r>
+              <a:rPr kumimoji="1" lang="ja-JP" altLang="en-US" dirty="0"/>
+              <a:t>戻り値　構文</a:t>
+            </a:r>
+            <a:r>
+              <a:rPr lang="ja-JP" altLang="en-US" dirty="0"/>
+              <a:t>分析</a:t>
+            </a:r>
+            <a:r>
+              <a:rPr kumimoji="1" lang="ja-JP" altLang="en-US" dirty="0"/>
+              <a:t>の情報</a:t>
+            </a:r>
+          </a:p>
+        </p:txBody>
+      </p:sp>
+    </p:spTree>
+    <p:extLst>
+      <p:ext uri="{BB962C8B-B14F-4D97-AF65-F5344CB8AC3E}">
+        <p14:creationId xmlns:p14="http://schemas.microsoft.com/office/powerpoint/2010/main" val="1081399285"/>
       </p:ext>
     </p:extLst>
   </p:cSld>
